--- a/presentations/Practical_3_Newbler_output.pptx
+++ b/presentations/Practical_3_Newbler_output.pptx
@@ -1,6 +1,6 @@
 
 <file path=ppt/presentation.xml><?xml version="1.0" encoding="utf-8"?>
-<p:presentation xmlns:a="http://schemas.openxmlformats.org/drawingml/2006/main" xmlns:r="http://schemas.openxmlformats.org/officeDocument/2006/relationships" xmlns:mc="http://schemas.openxmlformats.org/markup-compatibility/2006" xmlns:mv="urn:schemas-microsoft-com:mac:vml" xmlns:p="http://schemas.openxmlformats.org/presentationml/2006/main" mc:Ignorable="mv" mc:PreserveAttributes="mv:*" saveSubsetFonts="1" autoCompressPictures="0">
+<p:presentation xmlns:a="http://schemas.openxmlformats.org/drawingml/2006/main" xmlns:r="http://schemas.openxmlformats.org/officeDocument/2006/relationships" xmlns:p="http://schemas.openxmlformats.org/presentationml/2006/main" saveSubsetFonts="1" autoCompressPictures="0">
   <p:sldMasterIdLst>
     <p:sldMasterId id="2147483648" r:id="rId1"/>
   </p:sldMasterIdLst>
@@ -1143,18 +1143,18 @@
     </dgm:pt>
   </dgm:ptLst>
   <dgm:cxnLst>
+    <dgm:cxn modelId="{4119544B-8B6E-C14B-959F-1FCD3A10A202}" srcId="{3DA9F03A-58B3-6E42-97B6-C82F6BE4AC02}" destId="{A90563CB-9AA7-7A4F-A2D3-1833EB33F096}" srcOrd="2" destOrd="0" parTransId="{F117953E-4B18-534A-85C2-054D467DDED6}" sibTransId="{A8B6D5BD-DDA7-C44C-8099-6791FEB9B825}"/>
+    <dgm:cxn modelId="{EEBCDC05-BEFE-AD4C-B000-E83180D326A4}" type="presOf" srcId="{C31672CD-A6DA-0947-88DC-4AC475C7D94C}" destId="{4688A66D-FCFF-B74B-9D85-CF9CEE7BE925}" srcOrd="0" destOrd="0" presId="urn:microsoft.com/office/officeart/2005/8/layout/vProcess5"/>
+    <dgm:cxn modelId="{1E3B2500-8247-A04F-8CDB-573212B33E7D}" type="presOf" srcId="{807A1DB1-303A-3645-9D61-5ABFB53468DF}" destId="{3EC282C0-3B33-AC43-B3C9-EEF6EDEFBD7A}" srcOrd="0" destOrd="0" presId="urn:microsoft.com/office/officeart/2005/8/layout/vProcess5"/>
+    <dgm:cxn modelId="{1D474EC8-600E-FD47-99AF-45E8A74153F0}" srcId="{3DA9F03A-58B3-6E42-97B6-C82F6BE4AC02}" destId="{692F79ED-0479-1D41-BA06-C21777F69308}" srcOrd="0" destOrd="0" parTransId="{B60AEC23-FB62-6641-A49C-B66184EBBDE9}" sibTransId="{807A1DB1-303A-3645-9D61-5ABFB53468DF}"/>
+    <dgm:cxn modelId="{BCED3574-52F8-2240-869C-864367E4A178}" type="presOf" srcId="{692F79ED-0479-1D41-BA06-C21777F69308}" destId="{3B11D3C1-FD2C-6249-B36E-6FF0759A07A8}" srcOrd="1" destOrd="0" presId="urn:microsoft.com/office/officeart/2005/8/layout/vProcess5"/>
+    <dgm:cxn modelId="{299F0A9F-3AB5-044E-AF89-4316BFF04602}" type="presOf" srcId="{A90563CB-9AA7-7A4F-A2D3-1833EB33F096}" destId="{4DFCC841-CB5F-4C46-9594-2A7DE8DC21A1}" srcOrd="1" destOrd="0" presId="urn:microsoft.com/office/officeart/2005/8/layout/vProcess5"/>
+    <dgm:cxn modelId="{B18C5664-DAC6-3C42-825E-4B8FD05B3642}" type="presOf" srcId="{692F79ED-0479-1D41-BA06-C21777F69308}" destId="{A3BF7273-3BEC-A246-BDA7-7AF3F91C0396}" srcOrd="0" destOrd="0" presId="urn:microsoft.com/office/officeart/2005/8/layout/vProcess5"/>
+    <dgm:cxn modelId="{A2130B93-158F-AA44-AD84-67DF8D23D5D8}" type="presOf" srcId="{FFF8F105-7544-6246-8E26-92C3C6582802}" destId="{932020CA-DD87-034E-892F-7240B97A33F4}" srcOrd="1" destOrd="0" presId="urn:microsoft.com/office/officeart/2005/8/layout/vProcess5"/>
+    <dgm:cxn modelId="{BA726438-98C3-4D49-A220-BD46E9FAF54E}" srcId="{3DA9F03A-58B3-6E42-97B6-C82F6BE4AC02}" destId="{FFF8F105-7544-6246-8E26-92C3C6582802}" srcOrd="1" destOrd="0" parTransId="{F6486969-27C4-A348-88F8-57894F6754F6}" sibTransId="{C31672CD-A6DA-0947-88DC-4AC475C7D94C}"/>
     <dgm:cxn modelId="{8CE62E3F-CA07-3145-BF38-F33418D747C1}" type="presOf" srcId="{FFF8F105-7544-6246-8E26-92C3C6582802}" destId="{BA6C3F20-179C-0F49-AC99-48D8818599E0}" srcOrd="0" destOrd="0" presId="urn:microsoft.com/office/officeart/2005/8/layout/vProcess5"/>
-    <dgm:cxn modelId="{1E3B2500-8247-A04F-8CDB-573212B33E7D}" type="presOf" srcId="{807A1DB1-303A-3645-9D61-5ABFB53468DF}" destId="{3EC282C0-3B33-AC43-B3C9-EEF6EDEFBD7A}" srcOrd="0" destOrd="0" presId="urn:microsoft.com/office/officeart/2005/8/layout/vProcess5"/>
-    <dgm:cxn modelId="{B18C5664-DAC6-3C42-825E-4B8FD05B3642}" type="presOf" srcId="{692F79ED-0479-1D41-BA06-C21777F69308}" destId="{A3BF7273-3BEC-A246-BDA7-7AF3F91C0396}" srcOrd="0" destOrd="0" presId="urn:microsoft.com/office/officeart/2005/8/layout/vProcess5"/>
-    <dgm:cxn modelId="{4119544B-8B6E-C14B-959F-1FCD3A10A202}" srcId="{3DA9F03A-58B3-6E42-97B6-C82F6BE4AC02}" destId="{A90563CB-9AA7-7A4F-A2D3-1833EB33F096}" srcOrd="2" destOrd="0" parTransId="{F117953E-4B18-534A-85C2-054D467DDED6}" sibTransId="{A8B6D5BD-DDA7-C44C-8099-6791FEB9B825}"/>
-    <dgm:cxn modelId="{BCED3574-52F8-2240-869C-864367E4A178}" type="presOf" srcId="{692F79ED-0479-1D41-BA06-C21777F69308}" destId="{3B11D3C1-FD2C-6249-B36E-6FF0759A07A8}" srcOrd="1" destOrd="0" presId="urn:microsoft.com/office/officeart/2005/8/layout/vProcess5"/>
-    <dgm:cxn modelId="{BA726438-98C3-4D49-A220-BD46E9FAF54E}" srcId="{3DA9F03A-58B3-6E42-97B6-C82F6BE4AC02}" destId="{FFF8F105-7544-6246-8E26-92C3C6582802}" srcOrd="1" destOrd="0" parTransId="{F6486969-27C4-A348-88F8-57894F6754F6}" sibTransId="{C31672CD-A6DA-0947-88DC-4AC475C7D94C}"/>
-    <dgm:cxn modelId="{A2130B93-158F-AA44-AD84-67DF8D23D5D8}" type="presOf" srcId="{FFF8F105-7544-6246-8E26-92C3C6582802}" destId="{932020CA-DD87-034E-892F-7240B97A33F4}" srcOrd="1" destOrd="0" presId="urn:microsoft.com/office/officeart/2005/8/layout/vProcess5"/>
-    <dgm:cxn modelId="{299F0A9F-3AB5-044E-AF89-4316BFF04602}" type="presOf" srcId="{A90563CB-9AA7-7A4F-A2D3-1833EB33F096}" destId="{4DFCC841-CB5F-4C46-9594-2A7DE8DC21A1}" srcOrd="1" destOrd="0" presId="urn:microsoft.com/office/officeart/2005/8/layout/vProcess5"/>
+    <dgm:cxn modelId="{F63A4A40-6BFE-024C-A3B5-65320C1D33F8}" type="presOf" srcId="{A90563CB-9AA7-7A4F-A2D3-1833EB33F096}" destId="{D0761090-07EF-BD47-B071-397EFFE7E36F}" srcOrd="0" destOrd="0" presId="urn:microsoft.com/office/officeart/2005/8/layout/vProcess5"/>
     <dgm:cxn modelId="{F6B80773-767F-9746-94A0-EE6A6352EEF0}" type="presOf" srcId="{3DA9F03A-58B3-6E42-97B6-C82F6BE4AC02}" destId="{C4B592D7-4E5A-B64E-BF10-A30B3260B69F}" srcOrd="0" destOrd="0" presId="urn:microsoft.com/office/officeart/2005/8/layout/vProcess5"/>
-    <dgm:cxn modelId="{1D474EC8-600E-FD47-99AF-45E8A74153F0}" srcId="{3DA9F03A-58B3-6E42-97B6-C82F6BE4AC02}" destId="{692F79ED-0479-1D41-BA06-C21777F69308}" srcOrd="0" destOrd="0" parTransId="{B60AEC23-FB62-6641-A49C-B66184EBBDE9}" sibTransId="{807A1DB1-303A-3645-9D61-5ABFB53468DF}"/>
-    <dgm:cxn modelId="{EEBCDC05-BEFE-AD4C-B000-E83180D326A4}" type="presOf" srcId="{C31672CD-A6DA-0947-88DC-4AC475C7D94C}" destId="{4688A66D-FCFF-B74B-9D85-CF9CEE7BE925}" srcOrd="0" destOrd="0" presId="urn:microsoft.com/office/officeart/2005/8/layout/vProcess5"/>
-    <dgm:cxn modelId="{F63A4A40-6BFE-024C-A3B5-65320C1D33F8}" type="presOf" srcId="{A90563CB-9AA7-7A4F-A2D3-1833EB33F096}" destId="{D0761090-07EF-BD47-B071-397EFFE7E36F}" srcOrd="0" destOrd="0" presId="urn:microsoft.com/office/officeart/2005/8/layout/vProcess5"/>
     <dgm:cxn modelId="{BE9DD6DE-16EC-AC43-A2C4-A51E4DF4740E}" type="presParOf" srcId="{C4B592D7-4E5A-B64E-BF10-A30B3260B69F}" destId="{4BB2A4A9-8C7A-474F-8689-FB35A9AA34A9}" srcOrd="0" destOrd="0" presId="urn:microsoft.com/office/officeart/2005/8/layout/vProcess5"/>
     <dgm:cxn modelId="{313452E7-98EC-0F4B-B8B2-7A0ABA8CA435}" type="presParOf" srcId="{C4B592D7-4E5A-B64E-BF10-A30B3260B69F}" destId="{A3BF7273-3BEC-A246-BDA7-7AF3F91C0396}" srcOrd="1" destOrd="0" presId="urn:microsoft.com/office/officeart/2005/8/layout/vProcess5"/>
     <dgm:cxn modelId="{D4EDEC8C-A918-7F4E-ADB9-43873E510904}" type="presParOf" srcId="{C4B592D7-4E5A-B64E-BF10-A30B3260B69F}" destId="{BA6C3F20-179C-0F49-AC99-48D8818599E0}" srcOrd="2" destOrd="0" presId="urn:microsoft.com/office/officeart/2005/8/layout/vProcess5"/>
@@ -1169,14 +1169,14 @@
   <dgm:whole/>
   <dgm:extLst>
     <a:ext uri="http://schemas.microsoft.com/office/drawing/2008/diagram">
-      <dsp:dataModelExt xmlns:dsp="http://schemas.microsoft.com/office/drawing/2008/diagram" xmlns="" relId="rId10" minVer="http://schemas.openxmlformats.org/drawingml/2006/diagram"/>
+      <dsp:dataModelExt xmlns:dsp="http://schemas.microsoft.com/office/drawing/2008/diagram" relId="rId9" minVer="http://schemas.openxmlformats.org/drawingml/2006/diagram"/>
     </a:ext>
   </dgm:extLst>
 </dgm:dataModel>
 </file>
 
 <file path=ppt/diagrams/drawing1.xml><?xml version="1.0" encoding="utf-8"?>
-<dsp:drawing xmlns:dgm="http://schemas.openxmlformats.org/drawingml/2006/diagram" xmlns:a="http://schemas.openxmlformats.org/drawingml/2006/main" xmlns:dsp="http://schemas.microsoft.com/office/drawing/2008/diagram">
+<dsp:drawing xmlns:dgm="http://schemas.openxmlformats.org/drawingml/2006/diagram" xmlns:dsp="http://schemas.microsoft.com/office/drawing/2008/diagram" xmlns:a="http://schemas.openxmlformats.org/drawingml/2006/main">
   <dsp:spTree>
     <dsp:nvGrpSpPr>
       <dsp:cNvPr id="0" name=""/>
@@ -1275,8 +1275,8 @@
         </a:p>
       </dsp:txBody>
       <dsp:txXfrm>
-        <a:off x="0" y="0"/>
-        <a:ext cx="3549687" cy="815340"/>
+        <a:off x="23880" y="23880"/>
+        <a:ext cx="3501927" cy="767580"/>
       </dsp:txXfrm>
     </dsp:sp>
     <dsp:sp modelId="{BA6C3F20-179C-0F49-AC99-48D8818599E0}">
@@ -1371,8 +1371,8 @@
         </a:p>
       </dsp:txBody>
       <dsp:txXfrm>
-        <a:off x="386624" y="951229"/>
-        <a:ext cx="3465146" cy="815340"/>
+        <a:off x="410504" y="975109"/>
+        <a:ext cx="3417386" cy="767580"/>
       </dsp:txXfrm>
     </dsp:sp>
     <dsp:sp modelId="{D0761090-07EF-BD47-B071-397EFFE7E36F}">
@@ -1467,8 +1467,8 @@
         </a:p>
       </dsp:txBody>
       <dsp:txXfrm>
-        <a:off x="773248" y="1902459"/>
-        <a:ext cx="3465146" cy="815340"/>
+        <a:off x="797128" y="1926339"/>
+        <a:ext cx="3417386" cy="767580"/>
       </dsp:txXfrm>
     </dsp:sp>
     <dsp:sp modelId="{3EC282C0-3B33-AC43-B3C9-EEF6EDEFBD7A}">
@@ -1545,8 +1545,8 @@
         </a:p>
       </dsp:txBody>
       <dsp:txXfrm>
-        <a:off x="3851770" y="618299"/>
-        <a:ext cx="529971" cy="529971"/>
+        <a:off x="3971013" y="618299"/>
+        <a:ext cx="291485" cy="398803"/>
       </dsp:txXfrm>
     </dsp:sp>
     <dsp:sp modelId="{4688A66D-FCFF-B74B-9D85-CF9CEE7BE925}">
@@ -1623,8 +1623,8 @@
         </a:p>
       </dsp:txBody>
       <dsp:txXfrm>
-        <a:off x="4238394" y="1564093"/>
-        <a:ext cx="529971" cy="529971"/>
+        <a:off x="4357637" y="1564093"/>
+        <a:ext cx="291485" cy="398803"/>
       </dsp:txXfrm>
     </dsp:sp>
   </dsp:spTree>
@@ -3892,7 +3892,7 @@
 </file>
 
 <file path=ppt/notesMasters/notesMaster1.xml><?xml version="1.0" encoding="utf-8"?>
-<p:notesMaster xmlns:a="http://schemas.openxmlformats.org/drawingml/2006/main" xmlns:r="http://schemas.openxmlformats.org/officeDocument/2006/relationships" xmlns:mc="http://schemas.openxmlformats.org/markup-compatibility/2006" xmlns:mv="urn:schemas-microsoft-com:mac:vml" xmlns:p="http://schemas.openxmlformats.org/presentationml/2006/main" mc:Ignorable="mv" mc:PreserveAttributes="mv:*">
+<p:notesMaster xmlns:a="http://schemas.openxmlformats.org/drawingml/2006/main" xmlns:r="http://schemas.openxmlformats.org/officeDocument/2006/relationships" xmlns:p="http://schemas.openxmlformats.org/presentationml/2006/main">
   <p:cSld>
     <p:bg>
       <p:bgRef idx="1001">
@@ -3974,7 +3974,7 @@
             <a:fld id="{7B017CDE-E91F-D348-A70E-2B7B84391936}" type="datetimeFigureOut">
               <a:rPr lang="en-US" smtClean="0"/>
               <a:pPr/>
-              <a:t>10/20/11</a:t>
+              <a:t>22/10/2011</a:t>
             </a:fld>
             <a:endParaRPr lang="en-US"/>
           </a:p>
@@ -4143,6 +4143,11 @@
         </p:txBody>
       </p:sp>
     </p:spTree>
+    <p:extLst>
+      <p:ext uri="{BB962C8B-B14F-4D97-AF65-F5344CB8AC3E}">
+        <p14:creationId xmlns:p14="http://schemas.microsoft.com/office/powerpoint/2010/main" val="2456270233"/>
+      </p:ext>
+    </p:extLst>
   </p:cSld>
   <p:clrMap bg1="lt1" tx1="dk1" bg2="lt2" tx2="dk2" accent1="accent1" accent2="accent2" accent3="accent3" accent4="accent4" accent5="accent5" accent6="accent6" hlink="hlink" folHlink="folHlink"/>
   <p:notesStyle>
@@ -4241,7 +4246,7 @@
 </file>
 
 <file path=ppt/slideLayouts/slideLayout1.xml><?xml version="1.0" encoding="utf-8"?>
-<p:sldLayout xmlns:a="http://schemas.openxmlformats.org/drawingml/2006/main" xmlns:r="http://schemas.openxmlformats.org/officeDocument/2006/relationships" xmlns:mc="http://schemas.openxmlformats.org/markup-compatibility/2006" xmlns:mv="urn:schemas-microsoft-com:mac:vml" xmlns:p="http://schemas.openxmlformats.org/presentationml/2006/main" mc:Ignorable="mv" mc:PreserveAttributes="mv:*" type="title" preserve="1">
+<p:sldLayout xmlns:a="http://schemas.openxmlformats.org/drawingml/2006/main" xmlns:r="http://schemas.openxmlformats.org/officeDocument/2006/relationships" xmlns:p="http://schemas.openxmlformats.org/presentationml/2006/main" type="title" preserve="1">
   <p:cSld name="Title Slide">
     <p:spTree>
       <p:nvGrpSpPr>
@@ -4422,7 +4427,7 @@
             <a:fld id="{A4AAEA4C-2FC0-8F41-AA8D-DA93A16F9072}" type="datetimeFigureOut">
               <a:rPr lang="en-US" smtClean="0"/>
               <a:pPr/>
-              <a:t>10/20/11</a:t>
+              <a:t>22/10/2011</a:t>
             </a:fld>
             <a:endParaRPr lang="en-US"/>
           </a:p>
@@ -4480,7 +4485,7 @@
 </file>
 
 <file path=ppt/slideLayouts/slideLayout10.xml><?xml version="1.0" encoding="utf-8"?>
-<p:sldLayout xmlns:a="http://schemas.openxmlformats.org/drawingml/2006/main" xmlns:r="http://schemas.openxmlformats.org/officeDocument/2006/relationships" xmlns:mc="http://schemas.openxmlformats.org/markup-compatibility/2006" xmlns:mv="urn:schemas-microsoft-com:mac:vml" xmlns:p="http://schemas.openxmlformats.org/presentationml/2006/main" mc:Ignorable="mv" mc:PreserveAttributes="mv:*" type="vertTx" preserve="1">
+<p:sldLayout xmlns:a="http://schemas.openxmlformats.org/drawingml/2006/main" xmlns:r="http://schemas.openxmlformats.org/officeDocument/2006/relationships" xmlns:p="http://schemas.openxmlformats.org/presentationml/2006/main" type="vertTx" preserve="1">
   <p:cSld name="Title and Vertical Text">
     <p:spTree>
       <p:nvGrpSpPr>
@@ -4589,7 +4594,7 @@
             <a:fld id="{A4AAEA4C-2FC0-8F41-AA8D-DA93A16F9072}" type="datetimeFigureOut">
               <a:rPr lang="en-US" smtClean="0"/>
               <a:pPr/>
-              <a:t>10/20/11</a:t>
+              <a:t>22/10/2011</a:t>
             </a:fld>
             <a:endParaRPr lang="en-US"/>
           </a:p>
@@ -4647,7 +4652,7 @@
 </file>
 
 <file path=ppt/slideLayouts/slideLayout11.xml><?xml version="1.0" encoding="utf-8"?>
-<p:sldLayout xmlns:a="http://schemas.openxmlformats.org/drawingml/2006/main" xmlns:r="http://schemas.openxmlformats.org/officeDocument/2006/relationships" xmlns:mc="http://schemas.openxmlformats.org/markup-compatibility/2006" xmlns:mv="urn:schemas-microsoft-com:mac:vml" xmlns:p="http://schemas.openxmlformats.org/presentationml/2006/main" mc:Ignorable="mv" mc:PreserveAttributes="mv:*" type="vertTitleAndTx" preserve="1">
+<p:sldLayout xmlns:a="http://schemas.openxmlformats.org/drawingml/2006/main" xmlns:r="http://schemas.openxmlformats.org/officeDocument/2006/relationships" xmlns:p="http://schemas.openxmlformats.org/presentationml/2006/main" type="vertTitleAndTx" preserve="1">
   <p:cSld name="Vertical Title and Text">
     <p:spTree>
       <p:nvGrpSpPr>
@@ -4766,7 +4771,7 @@
             <a:fld id="{A4AAEA4C-2FC0-8F41-AA8D-DA93A16F9072}" type="datetimeFigureOut">
               <a:rPr lang="en-US" smtClean="0"/>
               <a:pPr/>
-              <a:t>10/20/11</a:t>
+              <a:t>22/10/2011</a:t>
             </a:fld>
             <a:endParaRPr lang="en-US"/>
           </a:p>
@@ -4824,7 +4829,7 @@
 </file>
 
 <file path=ppt/slideLayouts/slideLayout2.xml><?xml version="1.0" encoding="utf-8"?>
-<p:sldLayout xmlns:a="http://schemas.openxmlformats.org/drawingml/2006/main" xmlns:r="http://schemas.openxmlformats.org/officeDocument/2006/relationships" xmlns:mc="http://schemas.openxmlformats.org/markup-compatibility/2006" xmlns:mv="urn:schemas-microsoft-com:mac:vml" xmlns:p="http://schemas.openxmlformats.org/presentationml/2006/main" mc:Ignorable="mv" mc:PreserveAttributes="mv:*" type="obj" preserve="1">
+<p:sldLayout xmlns:a="http://schemas.openxmlformats.org/drawingml/2006/main" xmlns:r="http://schemas.openxmlformats.org/officeDocument/2006/relationships" xmlns:p="http://schemas.openxmlformats.org/presentationml/2006/main" type="obj" preserve="1">
   <p:cSld name="Title and Content">
     <p:spTree>
       <p:nvGrpSpPr>
@@ -4933,7 +4938,7 @@
             <a:fld id="{A4AAEA4C-2FC0-8F41-AA8D-DA93A16F9072}" type="datetimeFigureOut">
               <a:rPr lang="en-US" smtClean="0"/>
               <a:pPr/>
-              <a:t>10/20/11</a:t>
+              <a:t>22/10/2011</a:t>
             </a:fld>
             <a:endParaRPr lang="en-US"/>
           </a:p>
@@ -4991,7 +4996,7 @@
 </file>
 
 <file path=ppt/slideLayouts/slideLayout3.xml><?xml version="1.0" encoding="utf-8"?>
-<p:sldLayout xmlns:a="http://schemas.openxmlformats.org/drawingml/2006/main" xmlns:r="http://schemas.openxmlformats.org/officeDocument/2006/relationships" xmlns:mc="http://schemas.openxmlformats.org/markup-compatibility/2006" xmlns:mv="urn:schemas-microsoft-com:mac:vml" xmlns:p="http://schemas.openxmlformats.org/presentationml/2006/main" mc:Ignorable="mv" mc:PreserveAttributes="mv:*" type="secHead" preserve="1">
+<p:sldLayout xmlns:a="http://schemas.openxmlformats.org/drawingml/2006/main" xmlns:r="http://schemas.openxmlformats.org/officeDocument/2006/relationships" xmlns:p="http://schemas.openxmlformats.org/presentationml/2006/main" type="secHead" preserve="1">
   <p:cSld name="Section Header">
     <p:spTree>
       <p:nvGrpSpPr>
@@ -5176,7 +5181,7 @@
             <a:fld id="{A4AAEA4C-2FC0-8F41-AA8D-DA93A16F9072}" type="datetimeFigureOut">
               <a:rPr lang="en-US" smtClean="0"/>
               <a:pPr/>
-              <a:t>10/20/11</a:t>
+              <a:t>22/10/2011</a:t>
             </a:fld>
             <a:endParaRPr lang="en-US"/>
           </a:p>
@@ -5234,7 +5239,7 @@
 </file>
 
 <file path=ppt/slideLayouts/slideLayout4.xml><?xml version="1.0" encoding="utf-8"?>
-<p:sldLayout xmlns:a="http://schemas.openxmlformats.org/drawingml/2006/main" xmlns:r="http://schemas.openxmlformats.org/officeDocument/2006/relationships" xmlns:mc="http://schemas.openxmlformats.org/markup-compatibility/2006" xmlns:mv="urn:schemas-microsoft-com:mac:vml" xmlns:p="http://schemas.openxmlformats.org/presentationml/2006/main" mc:Ignorable="mv" mc:PreserveAttributes="mv:*" type="twoObj" preserve="1">
+<p:sldLayout xmlns:a="http://schemas.openxmlformats.org/drawingml/2006/main" xmlns:r="http://schemas.openxmlformats.org/officeDocument/2006/relationships" xmlns:p="http://schemas.openxmlformats.org/presentationml/2006/main" type="twoObj" preserve="1">
   <p:cSld name="Two Content">
     <p:spTree>
       <p:nvGrpSpPr>
@@ -5461,7 +5466,7 @@
             <a:fld id="{A4AAEA4C-2FC0-8F41-AA8D-DA93A16F9072}" type="datetimeFigureOut">
               <a:rPr lang="en-US" smtClean="0"/>
               <a:pPr/>
-              <a:t>10/20/11</a:t>
+              <a:t>22/10/2011</a:t>
             </a:fld>
             <a:endParaRPr lang="en-US"/>
           </a:p>
@@ -5519,7 +5524,7 @@
 </file>
 
 <file path=ppt/slideLayouts/slideLayout5.xml><?xml version="1.0" encoding="utf-8"?>
-<p:sldLayout xmlns:a="http://schemas.openxmlformats.org/drawingml/2006/main" xmlns:r="http://schemas.openxmlformats.org/officeDocument/2006/relationships" xmlns:mc="http://schemas.openxmlformats.org/markup-compatibility/2006" xmlns:mv="urn:schemas-microsoft-com:mac:vml" xmlns:p="http://schemas.openxmlformats.org/presentationml/2006/main" mc:Ignorable="mv" mc:PreserveAttributes="mv:*" type="twoTxTwoObj" preserve="1">
+<p:sldLayout xmlns:a="http://schemas.openxmlformats.org/drawingml/2006/main" xmlns:r="http://schemas.openxmlformats.org/officeDocument/2006/relationships" xmlns:p="http://schemas.openxmlformats.org/presentationml/2006/main" type="twoTxTwoObj" preserve="1">
   <p:cSld name="Comparison">
     <p:spTree>
       <p:nvGrpSpPr>
@@ -5880,7 +5885,7 @@
             <a:fld id="{A4AAEA4C-2FC0-8F41-AA8D-DA93A16F9072}" type="datetimeFigureOut">
               <a:rPr lang="en-US" smtClean="0"/>
               <a:pPr/>
-              <a:t>10/20/11</a:t>
+              <a:t>22/10/2011</a:t>
             </a:fld>
             <a:endParaRPr lang="en-US"/>
           </a:p>
@@ -5938,7 +5943,7 @@
 </file>
 
 <file path=ppt/slideLayouts/slideLayout6.xml><?xml version="1.0" encoding="utf-8"?>
-<p:sldLayout xmlns:a="http://schemas.openxmlformats.org/drawingml/2006/main" xmlns:r="http://schemas.openxmlformats.org/officeDocument/2006/relationships" xmlns:mc="http://schemas.openxmlformats.org/markup-compatibility/2006" xmlns:mv="urn:schemas-microsoft-com:mac:vml" xmlns:p="http://schemas.openxmlformats.org/presentationml/2006/main" mc:Ignorable="mv" mc:PreserveAttributes="mv:*" type="titleOnly" preserve="1">
+<p:sldLayout xmlns:a="http://schemas.openxmlformats.org/drawingml/2006/main" xmlns:r="http://schemas.openxmlformats.org/officeDocument/2006/relationships" xmlns:p="http://schemas.openxmlformats.org/presentationml/2006/main" type="titleOnly" preserve="1">
   <p:cSld name="Title Only">
     <p:spTree>
       <p:nvGrpSpPr>
@@ -5995,7 +6000,7 @@
             <a:fld id="{A4AAEA4C-2FC0-8F41-AA8D-DA93A16F9072}" type="datetimeFigureOut">
               <a:rPr lang="en-US" smtClean="0"/>
               <a:pPr/>
-              <a:t>10/20/11</a:t>
+              <a:t>22/10/2011</a:t>
             </a:fld>
             <a:endParaRPr lang="en-US"/>
           </a:p>
@@ -6053,7 +6058,7 @@
 </file>
 
 <file path=ppt/slideLayouts/slideLayout7.xml><?xml version="1.0" encoding="utf-8"?>
-<p:sldLayout xmlns:a="http://schemas.openxmlformats.org/drawingml/2006/main" xmlns:r="http://schemas.openxmlformats.org/officeDocument/2006/relationships" xmlns:mc="http://schemas.openxmlformats.org/markup-compatibility/2006" xmlns:mv="urn:schemas-microsoft-com:mac:vml" xmlns:p="http://schemas.openxmlformats.org/presentationml/2006/main" mc:Ignorable="mv" mc:PreserveAttributes="mv:*" type="blank" preserve="1">
+<p:sldLayout xmlns:a="http://schemas.openxmlformats.org/drawingml/2006/main" xmlns:r="http://schemas.openxmlformats.org/officeDocument/2006/relationships" xmlns:p="http://schemas.openxmlformats.org/presentationml/2006/main" type="blank" preserve="1">
   <p:cSld name="Blank">
     <p:spTree>
       <p:nvGrpSpPr>
@@ -6087,7 +6092,7 @@
             <a:fld id="{A4AAEA4C-2FC0-8F41-AA8D-DA93A16F9072}" type="datetimeFigureOut">
               <a:rPr lang="en-US" smtClean="0"/>
               <a:pPr/>
-              <a:t>10/20/11</a:t>
+              <a:t>22/10/2011</a:t>
             </a:fld>
             <a:endParaRPr lang="en-US"/>
           </a:p>
@@ -6145,7 +6150,7 @@
 </file>
 
 <file path=ppt/slideLayouts/slideLayout8.xml><?xml version="1.0" encoding="utf-8"?>
-<p:sldLayout xmlns:a="http://schemas.openxmlformats.org/drawingml/2006/main" xmlns:r="http://schemas.openxmlformats.org/officeDocument/2006/relationships" xmlns:mc="http://schemas.openxmlformats.org/markup-compatibility/2006" xmlns:mv="urn:schemas-microsoft-com:mac:vml" xmlns:p="http://schemas.openxmlformats.org/presentationml/2006/main" mc:Ignorable="mv" mc:PreserveAttributes="mv:*" type="objTx" preserve="1">
+<p:sldLayout xmlns:a="http://schemas.openxmlformats.org/drawingml/2006/main" xmlns:r="http://schemas.openxmlformats.org/officeDocument/2006/relationships" xmlns:p="http://schemas.openxmlformats.org/presentationml/2006/main" type="objTx" preserve="1">
   <p:cSld name="Content with Caption">
     <p:spTree>
       <p:nvGrpSpPr>
@@ -6361,7 +6366,7 @@
             <a:fld id="{A4AAEA4C-2FC0-8F41-AA8D-DA93A16F9072}" type="datetimeFigureOut">
               <a:rPr lang="en-US" smtClean="0"/>
               <a:pPr/>
-              <a:t>10/20/11</a:t>
+              <a:t>22/10/2011</a:t>
             </a:fld>
             <a:endParaRPr lang="en-US"/>
           </a:p>
@@ -6419,7 +6424,7 @@
 </file>
 
 <file path=ppt/slideLayouts/slideLayout9.xml><?xml version="1.0" encoding="utf-8"?>
-<p:sldLayout xmlns:a="http://schemas.openxmlformats.org/drawingml/2006/main" xmlns:r="http://schemas.openxmlformats.org/officeDocument/2006/relationships" xmlns:mc="http://schemas.openxmlformats.org/markup-compatibility/2006" xmlns:mv="urn:schemas-microsoft-com:mac:vml" xmlns:p="http://schemas.openxmlformats.org/presentationml/2006/main" mc:Ignorable="mv" mc:PreserveAttributes="mv:*" type="picTx" preserve="1">
+<p:sldLayout xmlns:a="http://schemas.openxmlformats.org/drawingml/2006/main" xmlns:r="http://schemas.openxmlformats.org/officeDocument/2006/relationships" xmlns:p="http://schemas.openxmlformats.org/presentationml/2006/main" type="picTx" preserve="1">
   <p:cSld name="Picture with Caption">
     <p:spTree>
       <p:nvGrpSpPr>
@@ -6611,7 +6616,7 @@
             <a:fld id="{A4AAEA4C-2FC0-8F41-AA8D-DA93A16F9072}" type="datetimeFigureOut">
               <a:rPr lang="en-US" smtClean="0"/>
               <a:pPr/>
-              <a:t>10/20/11</a:t>
+              <a:t>22/10/2011</a:t>
             </a:fld>
             <a:endParaRPr lang="en-US"/>
           </a:p>
@@ -6669,7 +6674,7 @@
 </file>
 
 <file path=ppt/slideMasters/slideMaster1.xml><?xml version="1.0" encoding="utf-8"?>
-<p:sldMaster xmlns:a="http://schemas.openxmlformats.org/drawingml/2006/main" xmlns:r="http://schemas.openxmlformats.org/officeDocument/2006/relationships" xmlns:mc="http://schemas.openxmlformats.org/markup-compatibility/2006" xmlns:mv="urn:schemas-microsoft-com:mac:vml" xmlns:p="http://schemas.openxmlformats.org/presentationml/2006/main" mc:Ignorable="mv" mc:PreserveAttributes="mv:*">
+<p:sldMaster xmlns:a="http://schemas.openxmlformats.org/drawingml/2006/main" xmlns:r="http://schemas.openxmlformats.org/officeDocument/2006/relationships" xmlns:p="http://schemas.openxmlformats.org/presentationml/2006/main">
   <p:cSld>
     <p:bg>
       <p:bgRef idx="1001">
@@ -6881,7 +6886,7 @@
             <a:fld id="{A4AAEA4C-2FC0-8F41-AA8D-DA93A16F9072}" type="datetimeFigureOut">
               <a:rPr lang="en-US" smtClean="0"/>
               <a:pPr/>
-              <a:t>10/20/11</a:t>
+              <a:t>22/10/2011</a:t>
             </a:fld>
             <a:endParaRPr lang="en-US"/>
           </a:p>
@@ -7236,7 +7241,7 @@
 </file>
 
 <file path=ppt/slides/slide1.xml><?xml version="1.0" encoding="utf-8"?>
-<p:sld xmlns:a="http://schemas.openxmlformats.org/drawingml/2006/main" xmlns:r="http://schemas.openxmlformats.org/officeDocument/2006/relationships" xmlns:mc="http://schemas.openxmlformats.org/markup-compatibility/2006" xmlns:mv="urn:schemas-microsoft-com:mac:vml" xmlns:p="http://schemas.openxmlformats.org/presentationml/2006/main" mc:Ignorable="mv" mc:PreserveAttributes="mv:*">
+<p:sld xmlns:a="http://schemas.openxmlformats.org/drawingml/2006/main" xmlns:r="http://schemas.openxmlformats.org/officeDocument/2006/relationships" xmlns:p="http://schemas.openxmlformats.org/presentationml/2006/main">
   <p:cSld>
     <p:spTree>
       <p:nvGrpSpPr>
@@ -7402,7 +7407,7 @@
   <p:timing>
     <p:tnLst>
       <p:par>
-        <p:cTn id="1" dur="indefinite" restart="never" nodeType="tmRoot"/>
+        <p:cTn xmlns:p14="http://schemas.microsoft.com/office/powerpoint/2010/main" id="1" dur="indefinite" restart="never" nodeType="tmRoot"/>
       </p:par>
     </p:tnLst>
   </p:timing>
@@ -7410,7 +7415,7 @@
 </file>
 
 <file path=ppt/slides/slide10.xml><?xml version="1.0" encoding="utf-8"?>
-<p:sld xmlns:a="http://schemas.openxmlformats.org/drawingml/2006/main" xmlns:r="http://schemas.openxmlformats.org/officeDocument/2006/relationships" xmlns:mc="http://schemas.openxmlformats.org/markup-compatibility/2006" xmlns:mv="urn:schemas-microsoft-com:mac:vml" xmlns:p="http://schemas.openxmlformats.org/presentationml/2006/main" mc:Ignorable="mv" mc:PreserveAttributes="mv:*">
+<p:sld xmlns:a="http://schemas.openxmlformats.org/drawingml/2006/main" xmlns:r="http://schemas.openxmlformats.org/officeDocument/2006/relationships" xmlns:p="http://schemas.openxmlformats.org/presentationml/2006/main">
   <p:cSld>
     <p:spTree>
       <p:nvGrpSpPr>
@@ -7512,7 +7517,7 @@
 </file>
 
 <file path=ppt/slides/slide11.xml><?xml version="1.0" encoding="utf-8"?>
-<p:sld xmlns:a="http://schemas.openxmlformats.org/drawingml/2006/main" xmlns:r="http://schemas.openxmlformats.org/officeDocument/2006/relationships" xmlns:mc="http://schemas.openxmlformats.org/markup-compatibility/2006" xmlns:mv="urn:schemas-microsoft-com:mac:vml" xmlns:p="http://schemas.openxmlformats.org/presentationml/2006/main" mc:Ignorable="mv" mc:PreserveAttributes="mv:*">
+<p:sld xmlns:a="http://schemas.openxmlformats.org/drawingml/2006/main" xmlns:r="http://schemas.openxmlformats.org/officeDocument/2006/relationships" xmlns:p="http://schemas.openxmlformats.org/presentationml/2006/main">
   <p:cSld>
     <p:spTree>
       <p:nvGrpSpPr>
@@ -7687,7 +7692,7 @@
 </file>
 
 <file path=ppt/slides/slide12.xml><?xml version="1.0" encoding="utf-8"?>
-<p:sld xmlns:a="http://schemas.openxmlformats.org/drawingml/2006/main" xmlns:r="http://schemas.openxmlformats.org/officeDocument/2006/relationships" xmlns:mc="http://schemas.openxmlformats.org/markup-compatibility/2006" xmlns:mv="urn:schemas-microsoft-com:mac:vml" xmlns:p="http://schemas.openxmlformats.org/presentationml/2006/main" mc:Ignorable="mv" mc:PreserveAttributes="mv:*">
+<p:sld xmlns:a="http://schemas.openxmlformats.org/drawingml/2006/main" xmlns:r="http://schemas.openxmlformats.org/officeDocument/2006/relationships" xmlns:p="http://schemas.openxmlformats.org/presentationml/2006/main">
   <p:cSld>
     <p:spTree>
       <p:nvGrpSpPr>
@@ -7749,9 +7754,6 @@
               </a:rPr>
               <a:t>Newbler scaffolds</a:t>
             </a:r>
-            <a:endParaRPr lang="en-US" dirty="0" smtClean="0">
-              <a:sym typeface="Wingdings"/>
-            </a:endParaRPr>
           </a:p>
           <a:p>
             <a:pPr>
@@ -7762,13 +7764,7 @@
               <a:rPr lang="en-US" dirty="0" smtClean="0">
                 <a:sym typeface="Wingdings"/>
               </a:rPr>
-              <a:t> two </a:t>
-            </a:r>
-            <a:r>
-              <a:rPr lang="en-US" dirty="0" smtClean="0">
-                <a:sym typeface="Wingdings"/>
-              </a:rPr>
-              <a:t>or more contigs with </a:t>
+              <a:t> two or more contigs with </a:t>
             </a:r>
             <a:r>
               <a:rPr lang="en-US" dirty="0" err="1" smtClean="0">
@@ -7782,9 +7778,6 @@
               </a:rPr>
               <a:t>)</a:t>
             </a:r>
-            <a:endParaRPr lang="en-US" dirty="0" smtClean="0">
-              <a:sym typeface="Wingdings"/>
-            </a:endParaRPr>
           </a:p>
           <a:p>
             <a:pPr>
@@ -7795,13 +7788,7 @@
               <a:rPr lang="en-US" dirty="0" smtClean="0">
                 <a:sym typeface="Wingdings"/>
               </a:rPr>
-              <a:t> unscaffolded </a:t>
-            </a:r>
-            <a:r>
-              <a:rPr lang="en-US" dirty="0" smtClean="0">
-                <a:sym typeface="Wingdings"/>
-              </a:rPr>
-              <a:t>contigs of at least 2 kb</a:t>
+              <a:t> unscaffolded contigs of at least 2 kb</a:t>
             </a:r>
             <a:endParaRPr lang="en-US" dirty="0"/>
           </a:p>
@@ -7816,7 +7803,7 @@
 </file>
 
 <file path=ppt/slides/slide13.xml><?xml version="1.0" encoding="utf-8"?>
-<p:sld xmlns:a="http://schemas.openxmlformats.org/drawingml/2006/main" xmlns:r="http://schemas.openxmlformats.org/officeDocument/2006/relationships" xmlns:mc="http://schemas.openxmlformats.org/markup-compatibility/2006" xmlns:mv="urn:schemas-microsoft-com:mac:vml" xmlns:p="http://schemas.openxmlformats.org/presentationml/2006/main" mc:Ignorable="mv" mc:PreserveAttributes="mv:*">
+<p:sld xmlns:a="http://schemas.openxmlformats.org/drawingml/2006/main" xmlns:r="http://schemas.openxmlformats.org/officeDocument/2006/relationships" xmlns:p="http://schemas.openxmlformats.org/presentationml/2006/main">
   <p:cSld>
     <p:spTree>
       <p:nvGrpSpPr>
@@ -7872,11 +7859,7 @@
           <a:p>
             <a:r>
               <a:rPr lang="en-US" dirty="0" err="1" smtClean="0"/>
-              <a:t>assemblathon_stats.</a:t>
-            </a:r>
-            <a:r>
-              <a:rPr lang="en-US" dirty="0" err="1" smtClean="0"/>
-              <a:t>pl</a:t>
+              <a:t>assemblathon_stats.pl</a:t>
             </a:r>
             <a:r>
               <a:rPr lang="en-US" dirty="0" smtClean="0"/>
@@ -7916,7 +7899,7 @@
 </file>
 
 <file path=ppt/slides/slide14.xml><?xml version="1.0" encoding="utf-8"?>
-<p:sld xmlns:a="http://schemas.openxmlformats.org/drawingml/2006/main" xmlns:r="http://schemas.openxmlformats.org/officeDocument/2006/relationships" xmlns:mc="http://schemas.openxmlformats.org/markup-compatibility/2006" xmlns:mv="urn:schemas-microsoft-com:mac:vml" xmlns:p="http://schemas.openxmlformats.org/presentationml/2006/main" mc:Ignorable="mv" mc:PreserveAttributes="mv:*">
+<p:sld xmlns:a="http://schemas.openxmlformats.org/drawingml/2006/main" xmlns:r="http://schemas.openxmlformats.org/officeDocument/2006/relationships" xmlns:p="http://schemas.openxmlformats.org/presentationml/2006/main">
   <p:cSld>
     <p:spTree>
       <p:nvGrpSpPr>
@@ -8048,7 +8031,7 @@
 </file>
 
 <file path=ppt/slides/slide15.xml><?xml version="1.0" encoding="utf-8"?>
-<p:sld xmlns:a="http://schemas.openxmlformats.org/drawingml/2006/main" xmlns:r="http://schemas.openxmlformats.org/officeDocument/2006/relationships" xmlns:mc="http://schemas.openxmlformats.org/markup-compatibility/2006" xmlns:mv="urn:schemas-microsoft-com:mac:vml" xmlns:p="http://schemas.openxmlformats.org/presentationml/2006/main" mc:Ignorable="mv" mc:PreserveAttributes="mv:*">
+<p:sld xmlns:a="http://schemas.openxmlformats.org/drawingml/2006/main" xmlns:r="http://schemas.openxmlformats.org/officeDocument/2006/relationships" xmlns:p="http://schemas.openxmlformats.org/presentationml/2006/main">
   <p:cSld>
     <p:spTree>
       <p:nvGrpSpPr>
@@ -8158,7 +8141,7 @@
 </file>
 
 <file path=ppt/slides/slide16.xml><?xml version="1.0" encoding="utf-8"?>
-<p:sld xmlns:a="http://schemas.openxmlformats.org/drawingml/2006/main" xmlns:r="http://schemas.openxmlformats.org/officeDocument/2006/relationships" xmlns:mc="http://schemas.openxmlformats.org/markup-compatibility/2006" xmlns:mv="urn:schemas-microsoft-com:mac:vml" xmlns:p="http://schemas.openxmlformats.org/presentationml/2006/main" mc:Ignorable="mv" mc:PreserveAttributes="mv:*">
+<p:sld xmlns:a="http://schemas.openxmlformats.org/drawingml/2006/main" xmlns:r="http://schemas.openxmlformats.org/officeDocument/2006/relationships" xmlns:p="http://schemas.openxmlformats.org/presentationml/2006/main">
   <p:cSld>
     <p:spTree>
       <p:nvGrpSpPr>
@@ -8221,7 +8204,7 @@
 </file>
 
 <file path=ppt/slides/slide17.xml><?xml version="1.0" encoding="utf-8"?>
-<p:sld xmlns:a="http://schemas.openxmlformats.org/drawingml/2006/main" xmlns:r="http://schemas.openxmlformats.org/officeDocument/2006/relationships" xmlns:mc="http://schemas.openxmlformats.org/markup-compatibility/2006" xmlns:mv="urn:schemas-microsoft-com:mac:vml" xmlns:p="http://schemas.openxmlformats.org/presentationml/2006/main" mc:Ignorable="mv" mc:PreserveAttributes="mv:*">
+<p:sld xmlns:a="http://schemas.openxmlformats.org/drawingml/2006/main" xmlns:r="http://schemas.openxmlformats.org/officeDocument/2006/relationships" xmlns:p="http://schemas.openxmlformats.org/presentationml/2006/main">
   <p:cSld>
     <p:spTree>
       <p:nvGrpSpPr>
@@ -8943,7 +8926,7 @@
   <p:timing>
     <p:tnLst>
       <p:par>
-        <p:cTn id="1" dur="indefinite" restart="never" nodeType="tmRoot"/>
+        <p:cTn xmlns:p14="http://schemas.microsoft.com/office/powerpoint/2010/main" id="1" dur="indefinite" restart="never" nodeType="tmRoot"/>
       </p:par>
     </p:tnLst>
   </p:timing>
@@ -8951,7 +8934,7 @@
 </file>
 
 <file path=ppt/slides/slide2.xml><?xml version="1.0" encoding="utf-8"?>
-<p:sld xmlns:a="http://schemas.openxmlformats.org/drawingml/2006/main" xmlns:r="http://schemas.openxmlformats.org/officeDocument/2006/relationships" xmlns:mc="http://schemas.openxmlformats.org/markup-compatibility/2006" xmlns:mv="urn:schemas-microsoft-com:mac:vml" xmlns:p="http://schemas.openxmlformats.org/presentationml/2006/main" mc:Ignorable="mv" mc:PreserveAttributes="mv:*">
+<p:sld xmlns:a="http://schemas.openxmlformats.org/drawingml/2006/main" xmlns:r="http://schemas.openxmlformats.org/officeDocument/2006/relationships" xmlns:p="http://schemas.openxmlformats.org/presentationml/2006/main">
   <p:cSld>
     <p:spTree>
       <p:nvGrpSpPr>
@@ -8984,7 +8967,11 @@
           <a:p>
             <a:r>
               <a:rPr lang="en-US" dirty="0" smtClean="0"/>
-              <a:t>Learning objectives</a:t>
+              <a:t>Learning </a:t>
+            </a:r>
+            <a:r>
+              <a:rPr lang="en-US" dirty="0" smtClean="0"/>
+              <a:t>points</a:t>
             </a:r>
             <a:endParaRPr lang="en-US" dirty="0"/>
           </a:p>
@@ -9009,7 +8996,23 @@
           <a:p>
             <a:r>
               <a:rPr lang="en-US" dirty="0" smtClean="0"/>
-              <a:t>be able to locate relevant metrics</a:t>
+              <a:t>How to </a:t>
+            </a:r>
+            <a:r>
+              <a:rPr lang="en-US" dirty="0" smtClean="0"/>
+              <a:t>locate </a:t>
+            </a:r>
+            <a:r>
+              <a:rPr lang="en-US" dirty="0" smtClean="0"/>
+              <a:t> </a:t>
+            </a:r>
+            <a:r>
+              <a:rPr lang="en-US" smtClean="0"/>
+              <a:t>and obtain relevant </a:t>
+            </a:r>
+            <a:r>
+              <a:rPr lang="en-US" dirty="0" smtClean="0"/>
+              <a:t>metrics</a:t>
             </a:r>
             <a:endParaRPr lang="en-US" dirty="0" smtClean="0">
               <a:sym typeface="Wingdings"/>
@@ -9055,7 +9058,11 @@
           <a:p>
             <a:r>
               <a:rPr lang="en-US" dirty="0" smtClean="0"/>
-              <a:t>be able to find contigs and scaffold</a:t>
+              <a:t>How to </a:t>
+            </a:r>
+            <a:r>
+              <a:rPr lang="en-US" dirty="0" smtClean="0"/>
+              <a:t>find contigs and scaffold</a:t>
             </a:r>
           </a:p>
           <a:p>
@@ -9064,7 +9071,11 @@
           <a:p>
             <a:r>
               <a:rPr lang="en-US" dirty="0" smtClean="0"/>
-              <a:t>be able to inspect alignments</a:t>
+              <a:t>How to inspect </a:t>
+            </a:r>
+            <a:r>
+              <a:rPr lang="en-US" dirty="0" smtClean="0"/>
+              <a:t>alignments</a:t>
             </a:r>
           </a:p>
           <a:p>
@@ -9094,7 +9105,7 @@
 </file>
 
 <file path=ppt/slides/slide3.xml><?xml version="1.0" encoding="utf-8"?>
-<p:sld xmlns:a="http://schemas.openxmlformats.org/drawingml/2006/main" xmlns:r="http://schemas.openxmlformats.org/officeDocument/2006/relationships" xmlns:mc="http://schemas.openxmlformats.org/markup-compatibility/2006" xmlns:mv="urn:schemas-microsoft-com:mac:vml" xmlns:p="http://schemas.openxmlformats.org/presentationml/2006/main" mc:Ignorable="mv" mc:PreserveAttributes="mv:*">
+<p:sld xmlns:a="http://schemas.openxmlformats.org/drawingml/2006/main" xmlns:r="http://schemas.openxmlformats.org/officeDocument/2006/relationships" xmlns:p="http://schemas.openxmlformats.org/presentationml/2006/main">
   <p:cSld>
     <p:spTree>
       <p:nvGrpSpPr>
@@ -9191,26 +9202,13 @@
           </p:cNvPicPr>
           <p:nvPr/>
         </p:nvPicPr>
-        <mc:AlternateContent>
-          <mc:Choice xmlns:ma="http://schemas.microsoft.com/office/mac/drawingml/2008/main" Requires="ma">
-            <p:blipFill>
-              <a:blip r:embed="rId4"/>
-              <a:srcRect l="31873" t="40398" r="11886"/>
-              <a:stretch>
-                <a:fillRect/>
-              </a:stretch>
-            </p:blipFill>
-          </mc:Choice>
-          <mc:Fallback>
-            <p:blipFill>
-              <a:blip r:embed="rId5"/>
-              <a:srcRect l="31873" t="40398" r="11886"/>
-              <a:stretch>
-                <a:fillRect/>
-              </a:stretch>
-            </p:blipFill>
-          </mc:Fallback>
-        </mc:AlternateContent>
+        <p:blipFill>
+          <a:blip r:embed="rId4"/>
+          <a:srcRect l="31873" t="40398" r="11886"/>
+          <a:stretch>
+            <a:fillRect/>
+          </a:stretch>
+        </p:blipFill>
         <p:spPr>
           <a:xfrm>
             <a:off x="5574695" y="2943619"/>
@@ -9237,7 +9235,7 @@
         </p:xfrm>
         <a:graphic>
           <a:graphicData uri="http://schemas.openxmlformats.org/drawingml/2006/diagram">
-            <a:relIds xmlns:dgm="http://schemas.openxmlformats.org/drawingml/2006/diagram" xmlns:r="http://schemas.openxmlformats.org/officeDocument/2006/relationships" r:dm="rId6" r:lo="rId7" r:qs="rId8" r:cs="rId9"/>
+            <dgm:relIds xmlns:dgm="http://schemas.openxmlformats.org/drawingml/2006/diagram" xmlns:r="http://schemas.openxmlformats.org/officeDocument/2006/relationships" r:dm="rId5" r:lo="rId6" r:qs="rId7" r:cs="rId8"/>
           </a:graphicData>
         </a:graphic>
       </p:graphicFrame>
@@ -9249,7 +9247,7 @@
   <p:timing>
     <p:tnLst>
       <p:par>
-        <p:cTn id="1" dur="indefinite" restart="never" nodeType="tmRoot"/>
+        <p:cTn xmlns:p14="http://schemas.microsoft.com/office/powerpoint/2010/main" id="1" dur="indefinite" restart="never" nodeType="tmRoot"/>
       </p:par>
     </p:tnLst>
   </p:timing>
@@ -9257,7 +9255,7 @@
 </file>
 
 <file path=ppt/slides/slide4.xml><?xml version="1.0" encoding="utf-8"?>
-<p:sld xmlns:a="http://schemas.openxmlformats.org/drawingml/2006/main" xmlns:r="http://schemas.openxmlformats.org/officeDocument/2006/relationships" xmlns:mc="http://schemas.openxmlformats.org/markup-compatibility/2006" xmlns:mv="urn:schemas-microsoft-com:mac:vml" xmlns:p="http://schemas.openxmlformats.org/presentationml/2006/main" mc:Ignorable="mv" mc:PreserveAttributes="mv:*">
+<p:sld xmlns:a="http://schemas.openxmlformats.org/drawingml/2006/main" xmlns:r="http://schemas.openxmlformats.org/officeDocument/2006/relationships" xmlns:p="http://schemas.openxmlformats.org/presentationml/2006/main">
   <p:cSld>
     <p:spTree>
       <p:nvGrpSpPr>
@@ -9412,7 +9410,7 @@
 </file>
 
 <file path=ppt/slides/slide5.xml><?xml version="1.0" encoding="utf-8"?>
-<p:sld xmlns:a="http://schemas.openxmlformats.org/drawingml/2006/main" xmlns:r="http://schemas.openxmlformats.org/officeDocument/2006/relationships" xmlns:mc="http://schemas.openxmlformats.org/markup-compatibility/2006" xmlns:mv="urn:schemas-microsoft-com:mac:vml" xmlns:p="http://schemas.openxmlformats.org/presentationml/2006/main" mc:Ignorable="mv" mc:PreserveAttributes="mv:*">
+<p:sld xmlns:a="http://schemas.openxmlformats.org/drawingml/2006/main" xmlns:r="http://schemas.openxmlformats.org/officeDocument/2006/relationships" xmlns:p="http://schemas.openxmlformats.org/presentationml/2006/main">
   <p:cSld>
     <p:spTree>
       <p:nvGrpSpPr>
@@ -9598,7 +9596,7 @@
   <p:timing>
     <p:tnLst>
       <p:par>
-        <p:cTn id="1" dur="indefinite" restart="never" nodeType="tmRoot"/>
+        <p:cTn xmlns:p14="http://schemas.microsoft.com/office/powerpoint/2010/main" id="1" dur="indefinite" restart="never" nodeType="tmRoot"/>
       </p:par>
     </p:tnLst>
   </p:timing>
@@ -9606,7 +9604,7 @@
 </file>
 
 <file path=ppt/slides/slide6.xml><?xml version="1.0" encoding="utf-8"?>
-<p:sld xmlns:a="http://schemas.openxmlformats.org/drawingml/2006/main" xmlns:r="http://schemas.openxmlformats.org/officeDocument/2006/relationships" xmlns:mc="http://schemas.openxmlformats.org/markup-compatibility/2006" xmlns:mv="urn:schemas-microsoft-com:mac:vml" xmlns:p="http://schemas.openxmlformats.org/presentationml/2006/main" mc:Ignorable="mv" mc:PreserveAttributes="mv:*">
+<p:sld xmlns:a="http://schemas.openxmlformats.org/drawingml/2006/main" xmlns:r="http://schemas.openxmlformats.org/officeDocument/2006/relationships" xmlns:p="http://schemas.openxmlformats.org/presentationml/2006/main">
   <p:cSld>
     <p:spTree>
       <p:nvGrpSpPr>
@@ -9699,7 +9697,7 @@
   <p:timing>
     <p:tnLst>
       <p:par>
-        <p:cTn id="1" dur="indefinite" restart="never" nodeType="tmRoot"/>
+        <p:cTn xmlns:p14="http://schemas.microsoft.com/office/powerpoint/2010/main" id="1" dur="indefinite" restart="never" nodeType="tmRoot"/>
       </p:par>
     </p:tnLst>
   </p:timing>
@@ -9707,7 +9705,7 @@
 </file>
 
 <file path=ppt/slides/slide7.xml><?xml version="1.0" encoding="utf-8"?>
-<p:sld xmlns:a="http://schemas.openxmlformats.org/drawingml/2006/main" xmlns:r="http://schemas.openxmlformats.org/officeDocument/2006/relationships" xmlns:mc="http://schemas.openxmlformats.org/markup-compatibility/2006" xmlns:mv="urn:schemas-microsoft-com:mac:vml" xmlns:p="http://schemas.openxmlformats.org/presentationml/2006/main" mc:Ignorable="mv" mc:PreserveAttributes="mv:*">
+<p:sld xmlns:a="http://schemas.openxmlformats.org/drawingml/2006/main" xmlns:r="http://schemas.openxmlformats.org/officeDocument/2006/relationships" xmlns:p="http://schemas.openxmlformats.org/presentationml/2006/main">
   <p:cSld>
     <p:spTree>
       <p:nvGrpSpPr>
@@ -9821,7 +9819,7 @@
   <p:timing>
     <p:tnLst>
       <p:par>
-        <p:cTn id="1" dur="indefinite" restart="never" nodeType="tmRoot"/>
+        <p:cTn xmlns:p14="http://schemas.microsoft.com/office/powerpoint/2010/main" id="1" dur="indefinite" restart="never" nodeType="tmRoot"/>
       </p:par>
     </p:tnLst>
   </p:timing>
@@ -9829,7 +9827,7 @@
 </file>
 
 <file path=ppt/slides/slide8.xml><?xml version="1.0" encoding="utf-8"?>
-<p:sld xmlns:a="http://schemas.openxmlformats.org/drawingml/2006/main" xmlns:r="http://schemas.openxmlformats.org/officeDocument/2006/relationships" xmlns:mc="http://schemas.openxmlformats.org/markup-compatibility/2006" xmlns:mv="urn:schemas-microsoft-com:mac:vml" xmlns:p="http://schemas.openxmlformats.org/presentationml/2006/main" mc:Ignorable="mv" mc:PreserveAttributes="mv:*">
+<p:sld xmlns:a="http://schemas.openxmlformats.org/drawingml/2006/main" xmlns:r="http://schemas.openxmlformats.org/officeDocument/2006/relationships" xmlns:p="http://schemas.openxmlformats.org/presentationml/2006/main">
   <p:cSld>
     <p:spTree>
       <p:nvGrpSpPr>
@@ -9925,7 +9923,7 @@
   <p:timing>
     <p:tnLst>
       <p:par>
-        <p:cTn id="1" dur="indefinite" restart="never" nodeType="tmRoot"/>
+        <p:cTn xmlns:p14="http://schemas.microsoft.com/office/powerpoint/2010/main" id="1" dur="indefinite" restart="never" nodeType="tmRoot"/>
       </p:par>
     </p:tnLst>
   </p:timing>
@@ -9933,7 +9931,7 @@
 </file>
 
 <file path=ppt/slides/slide9.xml><?xml version="1.0" encoding="utf-8"?>
-<p:sld xmlns:a="http://schemas.openxmlformats.org/drawingml/2006/main" xmlns:r="http://schemas.openxmlformats.org/officeDocument/2006/relationships" xmlns:mc="http://schemas.openxmlformats.org/markup-compatibility/2006" xmlns:mv="urn:schemas-microsoft-com:mac:vml" xmlns:p="http://schemas.openxmlformats.org/presentationml/2006/main" mc:Ignorable="mv" mc:PreserveAttributes="mv:*">
+<p:sld xmlns:a="http://schemas.openxmlformats.org/drawingml/2006/main" xmlns:r="http://schemas.openxmlformats.org/officeDocument/2006/relationships" xmlns:p="http://schemas.openxmlformats.org/presentationml/2006/main">
   <p:cSld>
     <p:spTree>
       <p:nvGrpSpPr>

--- a/presentations/Practical_3_Newbler_output.pptx
+++ b/presentations/Practical_3_Newbler_output.pptx
@@ -1,11 +1,11 @@
 
 <file path=ppt/presentation.xml><?xml version="1.0" encoding="utf-8"?>
-<p:presentation xmlns:a="http://schemas.openxmlformats.org/drawingml/2006/main" xmlns:r="http://schemas.openxmlformats.org/officeDocument/2006/relationships" xmlns:p="http://schemas.openxmlformats.org/presentationml/2006/main" saveSubsetFonts="1" autoCompressPictures="0">
+<p:presentation xmlns:a="http://schemas.openxmlformats.org/drawingml/2006/main" xmlns:r="http://schemas.openxmlformats.org/officeDocument/2006/relationships" xmlns:mc="http://schemas.openxmlformats.org/markup-compatibility/2006" xmlns:mv="urn:schemas-microsoft-com:mac:vml" xmlns:p="http://schemas.openxmlformats.org/presentationml/2006/main" mc:Ignorable="mv" mc:PreserveAttributes="mv:*" saveSubsetFonts="1" autoCompressPictures="0">
   <p:sldMasterIdLst>
     <p:sldMasterId id="2147483648" r:id="rId1"/>
   </p:sldMasterIdLst>
   <p:notesMasterIdLst>
-    <p:notesMasterId r:id="rId19"/>
+    <p:notesMasterId r:id="rId18"/>
   </p:notesMasterIdLst>
   <p:sldIdLst>
     <p:sldId id="256" r:id="rId2"/>
@@ -23,8 +23,7 @@
     <p:sldId id="274" r:id="rId14"/>
     <p:sldId id="275" r:id="rId15"/>
     <p:sldId id="276" r:id="rId16"/>
-    <p:sldId id="277" r:id="rId17"/>
-    <p:sldId id="273" r:id="rId18"/>
+    <p:sldId id="273" r:id="rId17"/>
   </p:sldIdLst>
   <p:sldSz cx="9144000" cy="6858000" type="screen4x3"/>
   <p:notesSz cx="6858000" cy="9144000"/>
@@ -1143,18 +1142,18 @@
     </dgm:pt>
   </dgm:ptLst>
   <dgm:cxnLst>
+    <dgm:cxn modelId="{8CE62E3F-CA07-3145-BF38-F33418D747C1}" type="presOf" srcId="{FFF8F105-7544-6246-8E26-92C3C6582802}" destId="{BA6C3F20-179C-0F49-AC99-48D8818599E0}" srcOrd="0" destOrd="0" presId="urn:microsoft.com/office/officeart/2005/8/layout/vProcess5"/>
+    <dgm:cxn modelId="{1E3B2500-8247-A04F-8CDB-573212B33E7D}" type="presOf" srcId="{807A1DB1-303A-3645-9D61-5ABFB53468DF}" destId="{3EC282C0-3B33-AC43-B3C9-EEF6EDEFBD7A}" srcOrd="0" destOrd="0" presId="urn:microsoft.com/office/officeart/2005/8/layout/vProcess5"/>
+    <dgm:cxn modelId="{B18C5664-DAC6-3C42-825E-4B8FD05B3642}" type="presOf" srcId="{692F79ED-0479-1D41-BA06-C21777F69308}" destId="{A3BF7273-3BEC-A246-BDA7-7AF3F91C0396}" srcOrd="0" destOrd="0" presId="urn:microsoft.com/office/officeart/2005/8/layout/vProcess5"/>
     <dgm:cxn modelId="{4119544B-8B6E-C14B-959F-1FCD3A10A202}" srcId="{3DA9F03A-58B3-6E42-97B6-C82F6BE4AC02}" destId="{A90563CB-9AA7-7A4F-A2D3-1833EB33F096}" srcOrd="2" destOrd="0" parTransId="{F117953E-4B18-534A-85C2-054D467DDED6}" sibTransId="{A8B6D5BD-DDA7-C44C-8099-6791FEB9B825}"/>
+    <dgm:cxn modelId="{BCED3574-52F8-2240-869C-864367E4A178}" type="presOf" srcId="{692F79ED-0479-1D41-BA06-C21777F69308}" destId="{3B11D3C1-FD2C-6249-B36E-6FF0759A07A8}" srcOrd="1" destOrd="0" presId="urn:microsoft.com/office/officeart/2005/8/layout/vProcess5"/>
+    <dgm:cxn modelId="{BA726438-98C3-4D49-A220-BD46E9FAF54E}" srcId="{3DA9F03A-58B3-6E42-97B6-C82F6BE4AC02}" destId="{FFF8F105-7544-6246-8E26-92C3C6582802}" srcOrd="1" destOrd="0" parTransId="{F6486969-27C4-A348-88F8-57894F6754F6}" sibTransId="{C31672CD-A6DA-0947-88DC-4AC475C7D94C}"/>
+    <dgm:cxn modelId="{A2130B93-158F-AA44-AD84-67DF8D23D5D8}" type="presOf" srcId="{FFF8F105-7544-6246-8E26-92C3C6582802}" destId="{932020CA-DD87-034E-892F-7240B97A33F4}" srcOrd="1" destOrd="0" presId="urn:microsoft.com/office/officeart/2005/8/layout/vProcess5"/>
+    <dgm:cxn modelId="{299F0A9F-3AB5-044E-AF89-4316BFF04602}" type="presOf" srcId="{A90563CB-9AA7-7A4F-A2D3-1833EB33F096}" destId="{4DFCC841-CB5F-4C46-9594-2A7DE8DC21A1}" srcOrd="1" destOrd="0" presId="urn:microsoft.com/office/officeart/2005/8/layout/vProcess5"/>
+    <dgm:cxn modelId="{1D474EC8-600E-FD47-99AF-45E8A74153F0}" srcId="{3DA9F03A-58B3-6E42-97B6-C82F6BE4AC02}" destId="{692F79ED-0479-1D41-BA06-C21777F69308}" srcOrd="0" destOrd="0" parTransId="{B60AEC23-FB62-6641-A49C-B66184EBBDE9}" sibTransId="{807A1DB1-303A-3645-9D61-5ABFB53468DF}"/>
+    <dgm:cxn modelId="{F6B80773-767F-9746-94A0-EE6A6352EEF0}" type="presOf" srcId="{3DA9F03A-58B3-6E42-97B6-C82F6BE4AC02}" destId="{C4B592D7-4E5A-B64E-BF10-A30B3260B69F}" srcOrd="0" destOrd="0" presId="urn:microsoft.com/office/officeart/2005/8/layout/vProcess5"/>
     <dgm:cxn modelId="{EEBCDC05-BEFE-AD4C-B000-E83180D326A4}" type="presOf" srcId="{C31672CD-A6DA-0947-88DC-4AC475C7D94C}" destId="{4688A66D-FCFF-B74B-9D85-CF9CEE7BE925}" srcOrd="0" destOrd="0" presId="urn:microsoft.com/office/officeart/2005/8/layout/vProcess5"/>
-    <dgm:cxn modelId="{1E3B2500-8247-A04F-8CDB-573212B33E7D}" type="presOf" srcId="{807A1DB1-303A-3645-9D61-5ABFB53468DF}" destId="{3EC282C0-3B33-AC43-B3C9-EEF6EDEFBD7A}" srcOrd="0" destOrd="0" presId="urn:microsoft.com/office/officeart/2005/8/layout/vProcess5"/>
-    <dgm:cxn modelId="{1D474EC8-600E-FD47-99AF-45E8A74153F0}" srcId="{3DA9F03A-58B3-6E42-97B6-C82F6BE4AC02}" destId="{692F79ED-0479-1D41-BA06-C21777F69308}" srcOrd="0" destOrd="0" parTransId="{B60AEC23-FB62-6641-A49C-B66184EBBDE9}" sibTransId="{807A1DB1-303A-3645-9D61-5ABFB53468DF}"/>
-    <dgm:cxn modelId="{BCED3574-52F8-2240-869C-864367E4A178}" type="presOf" srcId="{692F79ED-0479-1D41-BA06-C21777F69308}" destId="{3B11D3C1-FD2C-6249-B36E-6FF0759A07A8}" srcOrd="1" destOrd="0" presId="urn:microsoft.com/office/officeart/2005/8/layout/vProcess5"/>
-    <dgm:cxn modelId="{299F0A9F-3AB5-044E-AF89-4316BFF04602}" type="presOf" srcId="{A90563CB-9AA7-7A4F-A2D3-1833EB33F096}" destId="{4DFCC841-CB5F-4C46-9594-2A7DE8DC21A1}" srcOrd="1" destOrd="0" presId="urn:microsoft.com/office/officeart/2005/8/layout/vProcess5"/>
-    <dgm:cxn modelId="{B18C5664-DAC6-3C42-825E-4B8FD05B3642}" type="presOf" srcId="{692F79ED-0479-1D41-BA06-C21777F69308}" destId="{A3BF7273-3BEC-A246-BDA7-7AF3F91C0396}" srcOrd="0" destOrd="0" presId="urn:microsoft.com/office/officeart/2005/8/layout/vProcess5"/>
-    <dgm:cxn modelId="{A2130B93-158F-AA44-AD84-67DF8D23D5D8}" type="presOf" srcId="{FFF8F105-7544-6246-8E26-92C3C6582802}" destId="{932020CA-DD87-034E-892F-7240B97A33F4}" srcOrd="1" destOrd="0" presId="urn:microsoft.com/office/officeart/2005/8/layout/vProcess5"/>
-    <dgm:cxn modelId="{BA726438-98C3-4D49-A220-BD46E9FAF54E}" srcId="{3DA9F03A-58B3-6E42-97B6-C82F6BE4AC02}" destId="{FFF8F105-7544-6246-8E26-92C3C6582802}" srcOrd="1" destOrd="0" parTransId="{F6486969-27C4-A348-88F8-57894F6754F6}" sibTransId="{C31672CD-A6DA-0947-88DC-4AC475C7D94C}"/>
-    <dgm:cxn modelId="{8CE62E3F-CA07-3145-BF38-F33418D747C1}" type="presOf" srcId="{FFF8F105-7544-6246-8E26-92C3C6582802}" destId="{BA6C3F20-179C-0F49-AC99-48D8818599E0}" srcOrd="0" destOrd="0" presId="urn:microsoft.com/office/officeart/2005/8/layout/vProcess5"/>
     <dgm:cxn modelId="{F63A4A40-6BFE-024C-A3B5-65320C1D33F8}" type="presOf" srcId="{A90563CB-9AA7-7A4F-A2D3-1833EB33F096}" destId="{D0761090-07EF-BD47-B071-397EFFE7E36F}" srcOrd="0" destOrd="0" presId="urn:microsoft.com/office/officeart/2005/8/layout/vProcess5"/>
-    <dgm:cxn modelId="{F6B80773-767F-9746-94A0-EE6A6352EEF0}" type="presOf" srcId="{3DA9F03A-58B3-6E42-97B6-C82F6BE4AC02}" destId="{C4B592D7-4E5A-B64E-BF10-A30B3260B69F}" srcOrd="0" destOrd="0" presId="urn:microsoft.com/office/officeart/2005/8/layout/vProcess5"/>
     <dgm:cxn modelId="{BE9DD6DE-16EC-AC43-A2C4-A51E4DF4740E}" type="presParOf" srcId="{C4B592D7-4E5A-B64E-BF10-A30B3260B69F}" destId="{4BB2A4A9-8C7A-474F-8689-FB35A9AA34A9}" srcOrd="0" destOrd="0" presId="urn:microsoft.com/office/officeart/2005/8/layout/vProcess5"/>
     <dgm:cxn modelId="{313452E7-98EC-0F4B-B8B2-7A0ABA8CA435}" type="presParOf" srcId="{C4B592D7-4E5A-B64E-BF10-A30B3260B69F}" destId="{A3BF7273-3BEC-A246-BDA7-7AF3F91C0396}" srcOrd="1" destOrd="0" presId="urn:microsoft.com/office/officeart/2005/8/layout/vProcess5"/>
     <dgm:cxn modelId="{D4EDEC8C-A918-7F4E-ADB9-43873E510904}" type="presParOf" srcId="{C4B592D7-4E5A-B64E-BF10-A30B3260B69F}" destId="{BA6C3F20-179C-0F49-AC99-48D8818599E0}" srcOrd="2" destOrd="0" presId="urn:microsoft.com/office/officeart/2005/8/layout/vProcess5"/>
@@ -1169,14 +1168,14 @@
   <dgm:whole/>
   <dgm:extLst>
     <a:ext uri="http://schemas.microsoft.com/office/drawing/2008/diagram">
-      <dsp:dataModelExt xmlns:dsp="http://schemas.microsoft.com/office/drawing/2008/diagram" relId="rId9" minVer="http://schemas.openxmlformats.org/drawingml/2006/diagram"/>
+      <dsp:dataModelExt xmlns:dsp="http://schemas.microsoft.com/office/drawing/2008/diagram" xmlns="" relId="rId9" minVer="http://schemas.openxmlformats.org/drawingml/2006/diagram"/>
     </a:ext>
   </dgm:extLst>
 </dgm:dataModel>
 </file>
 
 <file path=ppt/diagrams/drawing1.xml><?xml version="1.0" encoding="utf-8"?>
-<dsp:drawing xmlns:dgm="http://schemas.openxmlformats.org/drawingml/2006/diagram" xmlns:dsp="http://schemas.microsoft.com/office/drawing/2008/diagram" xmlns:a="http://schemas.openxmlformats.org/drawingml/2006/main">
+<dsp:drawing xmlns:dgm="http://schemas.openxmlformats.org/drawingml/2006/diagram" xmlns:a="http://schemas.openxmlformats.org/drawingml/2006/main" xmlns:dsp="http://schemas.microsoft.com/office/drawing/2008/diagram">
   <dsp:spTree>
     <dsp:nvGrpSpPr>
       <dsp:cNvPr id="0" name=""/>
@@ -1275,8 +1274,8 @@
         </a:p>
       </dsp:txBody>
       <dsp:txXfrm>
-        <a:off x="23880" y="23880"/>
-        <a:ext cx="3501927" cy="767580"/>
+        <a:off x="0" y="0"/>
+        <a:ext cx="3549687" cy="815340"/>
       </dsp:txXfrm>
     </dsp:sp>
     <dsp:sp modelId="{BA6C3F20-179C-0F49-AC99-48D8818599E0}">
@@ -1371,8 +1370,8 @@
         </a:p>
       </dsp:txBody>
       <dsp:txXfrm>
-        <a:off x="410504" y="975109"/>
-        <a:ext cx="3417386" cy="767580"/>
+        <a:off x="386624" y="951229"/>
+        <a:ext cx="3465146" cy="815340"/>
       </dsp:txXfrm>
     </dsp:sp>
     <dsp:sp modelId="{D0761090-07EF-BD47-B071-397EFFE7E36F}">
@@ -1467,8 +1466,8 @@
         </a:p>
       </dsp:txBody>
       <dsp:txXfrm>
-        <a:off x="797128" y="1926339"/>
-        <a:ext cx="3417386" cy="767580"/>
+        <a:off x="773248" y="1902459"/>
+        <a:ext cx="3465146" cy="815340"/>
       </dsp:txXfrm>
     </dsp:sp>
     <dsp:sp modelId="{3EC282C0-3B33-AC43-B3C9-EEF6EDEFBD7A}">
@@ -1545,8 +1544,8 @@
         </a:p>
       </dsp:txBody>
       <dsp:txXfrm>
-        <a:off x="3971013" y="618299"/>
-        <a:ext cx="291485" cy="398803"/>
+        <a:off x="3851770" y="618299"/>
+        <a:ext cx="529971" cy="529971"/>
       </dsp:txXfrm>
     </dsp:sp>
     <dsp:sp modelId="{4688A66D-FCFF-B74B-9D85-CF9CEE7BE925}">
@@ -1623,8 +1622,8 @@
         </a:p>
       </dsp:txBody>
       <dsp:txXfrm>
-        <a:off x="4357637" y="1564093"/>
-        <a:ext cx="291485" cy="398803"/>
+        <a:off x="4238394" y="1564093"/>
+        <a:ext cx="529971" cy="529971"/>
       </dsp:txXfrm>
     </dsp:sp>
   </dsp:spTree>
@@ -3892,7 +3891,7 @@
 </file>
 
 <file path=ppt/notesMasters/notesMaster1.xml><?xml version="1.0" encoding="utf-8"?>
-<p:notesMaster xmlns:a="http://schemas.openxmlformats.org/drawingml/2006/main" xmlns:r="http://schemas.openxmlformats.org/officeDocument/2006/relationships" xmlns:p="http://schemas.openxmlformats.org/presentationml/2006/main">
+<p:notesMaster xmlns:a="http://schemas.openxmlformats.org/drawingml/2006/main" xmlns:r="http://schemas.openxmlformats.org/officeDocument/2006/relationships" xmlns:mc="http://schemas.openxmlformats.org/markup-compatibility/2006" xmlns:mv="urn:schemas-microsoft-com:mac:vml" xmlns:p="http://schemas.openxmlformats.org/presentationml/2006/main" mc:Ignorable="mv" mc:PreserveAttributes="mv:*">
   <p:cSld>
     <p:bg>
       <p:bgRef idx="1001">
@@ -3974,7 +3973,7 @@
             <a:fld id="{7B017CDE-E91F-D348-A70E-2B7B84391936}" type="datetimeFigureOut">
               <a:rPr lang="en-US" smtClean="0"/>
               <a:pPr/>
-              <a:t>22/10/2011</a:t>
+              <a:t>10/24/11</a:t>
             </a:fld>
             <a:endParaRPr lang="en-US"/>
           </a:p>
@@ -4145,7 +4144,7 @@
     </p:spTree>
     <p:extLst>
       <p:ext uri="{BB962C8B-B14F-4D97-AF65-F5344CB8AC3E}">
-        <p14:creationId xmlns:p14="http://schemas.microsoft.com/office/powerpoint/2010/main" val="2456270233"/>
+        <p14:creationId xmlns:p14="http://schemas.microsoft.com/office/powerpoint/2010/main" xmlns:p="http://schemas.openxmlformats.org/presentationml/2006/main" xmlns:r="http://schemas.openxmlformats.org/officeDocument/2006/relationships" xmlns:a="http://schemas.openxmlformats.org/drawingml/2006/main" xmlns="" val="2456270233"/>
       </p:ext>
     </p:extLst>
   </p:cSld>
@@ -4246,7 +4245,7 @@
 </file>
 
 <file path=ppt/slideLayouts/slideLayout1.xml><?xml version="1.0" encoding="utf-8"?>
-<p:sldLayout xmlns:a="http://schemas.openxmlformats.org/drawingml/2006/main" xmlns:r="http://schemas.openxmlformats.org/officeDocument/2006/relationships" xmlns:p="http://schemas.openxmlformats.org/presentationml/2006/main" type="title" preserve="1">
+<p:sldLayout xmlns:a="http://schemas.openxmlformats.org/drawingml/2006/main" xmlns:r="http://schemas.openxmlformats.org/officeDocument/2006/relationships" xmlns:mc="http://schemas.openxmlformats.org/markup-compatibility/2006" xmlns:mv="urn:schemas-microsoft-com:mac:vml" xmlns:p="http://schemas.openxmlformats.org/presentationml/2006/main" mc:Ignorable="mv" mc:PreserveAttributes="mv:*" type="title" preserve="1">
   <p:cSld name="Title Slide">
     <p:spTree>
       <p:nvGrpSpPr>
@@ -4427,7 +4426,7 @@
             <a:fld id="{A4AAEA4C-2FC0-8F41-AA8D-DA93A16F9072}" type="datetimeFigureOut">
               <a:rPr lang="en-US" smtClean="0"/>
               <a:pPr/>
-              <a:t>22/10/2011</a:t>
+              <a:t>10/24/11</a:t>
             </a:fld>
             <a:endParaRPr lang="en-US"/>
           </a:p>
@@ -4485,7 +4484,7 @@
 </file>
 
 <file path=ppt/slideLayouts/slideLayout10.xml><?xml version="1.0" encoding="utf-8"?>
-<p:sldLayout xmlns:a="http://schemas.openxmlformats.org/drawingml/2006/main" xmlns:r="http://schemas.openxmlformats.org/officeDocument/2006/relationships" xmlns:p="http://schemas.openxmlformats.org/presentationml/2006/main" type="vertTx" preserve="1">
+<p:sldLayout xmlns:a="http://schemas.openxmlformats.org/drawingml/2006/main" xmlns:r="http://schemas.openxmlformats.org/officeDocument/2006/relationships" xmlns:mc="http://schemas.openxmlformats.org/markup-compatibility/2006" xmlns:mv="urn:schemas-microsoft-com:mac:vml" xmlns:p="http://schemas.openxmlformats.org/presentationml/2006/main" mc:Ignorable="mv" mc:PreserveAttributes="mv:*" type="vertTx" preserve="1">
   <p:cSld name="Title and Vertical Text">
     <p:spTree>
       <p:nvGrpSpPr>
@@ -4594,7 +4593,7 @@
             <a:fld id="{A4AAEA4C-2FC0-8F41-AA8D-DA93A16F9072}" type="datetimeFigureOut">
               <a:rPr lang="en-US" smtClean="0"/>
               <a:pPr/>
-              <a:t>22/10/2011</a:t>
+              <a:t>10/24/11</a:t>
             </a:fld>
             <a:endParaRPr lang="en-US"/>
           </a:p>
@@ -4652,7 +4651,7 @@
 </file>
 
 <file path=ppt/slideLayouts/slideLayout11.xml><?xml version="1.0" encoding="utf-8"?>
-<p:sldLayout xmlns:a="http://schemas.openxmlformats.org/drawingml/2006/main" xmlns:r="http://schemas.openxmlformats.org/officeDocument/2006/relationships" xmlns:p="http://schemas.openxmlformats.org/presentationml/2006/main" type="vertTitleAndTx" preserve="1">
+<p:sldLayout xmlns:a="http://schemas.openxmlformats.org/drawingml/2006/main" xmlns:r="http://schemas.openxmlformats.org/officeDocument/2006/relationships" xmlns:mc="http://schemas.openxmlformats.org/markup-compatibility/2006" xmlns:mv="urn:schemas-microsoft-com:mac:vml" xmlns:p="http://schemas.openxmlformats.org/presentationml/2006/main" mc:Ignorable="mv" mc:PreserveAttributes="mv:*" type="vertTitleAndTx" preserve="1">
   <p:cSld name="Vertical Title and Text">
     <p:spTree>
       <p:nvGrpSpPr>
@@ -4771,7 +4770,7 @@
             <a:fld id="{A4AAEA4C-2FC0-8F41-AA8D-DA93A16F9072}" type="datetimeFigureOut">
               <a:rPr lang="en-US" smtClean="0"/>
               <a:pPr/>
-              <a:t>22/10/2011</a:t>
+              <a:t>10/24/11</a:t>
             </a:fld>
             <a:endParaRPr lang="en-US"/>
           </a:p>
@@ -4829,7 +4828,7 @@
 </file>
 
 <file path=ppt/slideLayouts/slideLayout2.xml><?xml version="1.0" encoding="utf-8"?>
-<p:sldLayout xmlns:a="http://schemas.openxmlformats.org/drawingml/2006/main" xmlns:r="http://schemas.openxmlformats.org/officeDocument/2006/relationships" xmlns:p="http://schemas.openxmlformats.org/presentationml/2006/main" type="obj" preserve="1">
+<p:sldLayout xmlns:a="http://schemas.openxmlformats.org/drawingml/2006/main" xmlns:r="http://schemas.openxmlformats.org/officeDocument/2006/relationships" xmlns:mc="http://schemas.openxmlformats.org/markup-compatibility/2006" xmlns:mv="urn:schemas-microsoft-com:mac:vml" xmlns:p="http://schemas.openxmlformats.org/presentationml/2006/main" mc:Ignorable="mv" mc:PreserveAttributes="mv:*" type="obj" preserve="1">
   <p:cSld name="Title and Content">
     <p:spTree>
       <p:nvGrpSpPr>
@@ -4938,7 +4937,7 @@
             <a:fld id="{A4AAEA4C-2FC0-8F41-AA8D-DA93A16F9072}" type="datetimeFigureOut">
               <a:rPr lang="en-US" smtClean="0"/>
               <a:pPr/>
-              <a:t>22/10/2011</a:t>
+              <a:t>10/24/11</a:t>
             </a:fld>
             <a:endParaRPr lang="en-US"/>
           </a:p>
@@ -4996,7 +4995,7 @@
 </file>
 
 <file path=ppt/slideLayouts/slideLayout3.xml><?xml version="1.0" encoding="utf-8"?>
-<p:sldLayout xmlns:a="http://schemas.openxmlformats.org/drawingml/2006/main" xmlns:r="http://schemas.openxmlformats.org/officeDocument/2006/relationships" xmlns:p="http://schemas.openxmlformats.org/presentationml/2006/main" type="secHead" preserve="1">
+<p:sldLayout xmlns:a="http://schemas.openxmlformats.org/drawingml/2006/main" xmlns:r="http://schemas.openxmlformats.org/officeDocument/2006/relationships" xmlns:mc="http://schemas.openxmlformats.org/markup-compatibility/2006" xmlns:mv="urn:schemas-microsoft-com:mac:vml" xmlns:p="http://schemas.openxmlformats.org/presentationml/2006/main" mc:Ignorable="mv" mc:PreserveAttributes="mv:*" type="secHead" preserve="1">
   <p:cSld name="Section Header">
     <p:spTree>
       <p:nvGrpSpPr>
@@ -5181,7 +5180,7 @@
             <a:fld id="{A4AAEA4C-2FC0-8F41-AA8D-DA93A16F9072}" type="datetimeFigureOut">
               <a:rPr lang="en-US" smtClean="0"/>
               <a:pPr/>
-              <a:t>22/10/2011</a:t>
+              <a:t>10/24/11</a:t>
             </a:fld>
             <a:endParaRPr lang="en-US"/>
           </a:p>
@@ -5239,7 +5238,7 @@
 </file>
 
 <file path=ppt/slideLayouts/slideLayout4.xml><?xml version="1.0" encoding="utf-8"?>
-<p:sldLayout xmlns:a="http://schemas.openxmlformats.org/drawingml/2006/main" xmlns:r="http://schemas.openxmlformats.org/officeDocument/2006/relationships" xmlns:p="http://schemas.openxmlformats.org/presentationml/2006/main" type="twoObj" preserve="1">
+<p:sldLayout xmlns:a="http://schemas.openxmlformats.org/drawingml/2006/main" xmlns:r="http://schemas.openxmlformats.org/officeDocument/2006/relationships" xmlns:mc="http://schemas.openxmlformats.org/markup-compatibility/2006" xmlns:mv="urn:schemas-microsoft-com:mac:vml" xmlns:p="http://schemas.openxmlformats.org/presentationml/2006/main" mc:Ignorable="mv" mc:PreserveAttributes="mv:*" type="twoObj" preserve="1">
   <p:cSld name="Two Content">
     <p:spTree>
       <p:nvGrpSpPr>
@@ -5466,7 +5465,7 @@
             <a:fld id="{A4AAEA4C-2FC0-8F41-AA8D-DA93A16F9072}" type="datetimeFigureOut">
               <a:rPr lang="en-US" smtClean="0"/>
               <a:pPr/>
-              <a:t>22/10/2011</a:t>
+              <a:t>10/24/11</a:t>
             </a:fld>
             <a:endParaRPr lang="en-US"/>
           </a:p>
@@ -5524,7 +5523,7 @@
 </file>
 
 <file path=ppt/slideLayouts/slideLayout5.xml><?xml version="1.0" encoding="utf-8"?>
-<p:sldLayout xmlns:a="http://schemas.openxmlformats.org/drawingml/2006/main" xmlns:r="http://schemas.openxmlformats.org/officeDocument/2006/relationships" xmlns:p="http://schemas.openxmlformats.org/presentationml/2006/main" type="twoTxTwoObj" preserve="1">
+<p:sldLayout xmlns:a="http://schemas.openxmlformats.org/drawingml/2006/main" xmlns:r="http://schemas.openxmlformats.org/officeDocument/2006/relationships" xmlns:mc="http://schemas.openxmlformats.org/markup-compatibility/2006" xmlns:mv="urn:schemas-microsoft-com:mac:vml" xmlns:p="http://schemas.openxmlformats.org/presentationml/2006/main" mc:Ignorable="mv" mc:PreserveAttributes="mv:*" type="twoTxTwoObj" preserve="1">
   <p:cSld name="Comparison">
     <p:spTree>
       <p:nvGrpSpPr>
@@ -5885,7 +5884,7 @@
             <a:fld id="{A4AAEA4C-2FC0-8F41-AA8D-DA93A16F9072}" type="datetimeFigureOut">
               <a:rPr lang="en-US" smtClean="0"/>
               <a:pPr/>
-              <a:t>22/10/2011</a:t>
+              <a:t>10/24/11</a:t>
             </a:fld>
             <a:endParaRPr lang="en-US"/>
           </a:p>
@@ -5943,7 +5942,7 @@
 </file>
 
 <file path=ppt/slideLayouts/slideLayout6.xml><?xml version="1.0" encoding="utf-8"?>
-<p:sldLayout xmlns:a="http://schemas.openxmlformats.org/drawingml/2006/main" xmlns:r="http://schemas.openxmlformats.org/officeDocument/2006/relationships" xmlns:p="http://schemas.openxmlformats.org/presentationml/2006/main" type="titleOnly" preserve="1">
+<p:sldLayout xmlns:a="http://schemas.openxmlformats.org/drawingml/2006/main" xmlns:r="http://schemas.openxmlformats.org/officeDocument/2006/relationships" xmlns:mc="http://schemas.openxmlformats.org/markup-compatibility/2006" xmlns:mv="urn:schemas-microsoft-com:mac:vml" xmlns:p="http://schemas.openxmlformats.org/presentationml/2006/main" mc:Ignorable="mv" mc:PreserveAttributes="mv:*" type="titleOnly" preserve="1">
   <p:cSld name="Title Only">
     <p:spTree>
       <p:nvGrpSpPr>
@@ -6000,7 +5999,7 @@
             <a:fld id="{A4AAEA4C-2FC0-8F41-AA8D-DA93A16F9072}" type="datetimeFigureOut">
               <a:rPr lang="en-US" smtClean="0"/>
               <a:pPr/>
-              <a:t>22/10/2011</a:t>
+              <a:t>10/24/11</a:t>
             </a:fld>
             <a:endParaRPr lang="en-US"/>
           </a:p>
@@ -6058,7 +6057,7 @@
 </file>
 
 <file path=ppt/slideLayouts/slideLayout7.xml><?xml version="1.0" encoding="utf-8"?>
-<p:sldLayout xmlns:a="http://schemas.openxmlformats.org/drawingml/2006/main" xmlns:r="http://schemas.openxmlformats.org/officeDocument/2006/relationships" xmlns:p="http://schemas.openxmlformats.org/presentationml/2006/main" type="blank" preserve="1">
+<p:sldLayout xmlns:a="http://schemas.openxmlformats.org/drawingml/2006/main" xmlns:r="http://schemas.openxmlformats.org/officeDocument/2006/relationships" xmlns:mc="http://schemas.openxmlformats.org/markup-compatibility/2006" xmlns:mv="urn:schemas-microsoft-com:mac:vml" xmlns:p="http://schemas.openxmlformats.org/presentationml/2006/main" mc:Ignorable="mv" mc:PreserveAttributes="mv:*" type="blank" preserve="1">
   <p:cSld name="Blank">
     <p:spTree>
       <p:nvGrpSpPr>
@@ -6092,7 +6091,7 @@
             <a:fld id="{A4AAEA4C-2FC0-8F41-AA8D-DA93A16F9072}" type="datetimeFigureOut">
               <a:rPr lang="en-US" smtClean="0"/>
               <a:pPr/>
-              <a:t>22/10/2011</a:t>
+              <a:t>10/24/11</a:t>
             </a:fld>
             <a:endParaRPr lang="en-US"/>
           </a:p>
@@ -6150,7 +6149,7 @@
 </file>
 
 <file path=ppt/slideLayouts/slideLayout8.xml><?xml version="1.0" encoding="utf-8"?>
-<p:sldLayout xmlns:a="http://schemas.openxmlformats.org/drawingml/2006/main" xmlns:r="http://schemas.openxmlformats.org/officeDocument/2006/relationships" xmlns:p="http://schemas.openxmlformats.org/presentationml/2006/main" type="objTx" preserve="1">
+<p:sldLayout xmlns:a="http://schemas.openxmlformats.org/drawingml/2006/main" xmlns:r="http://schemas.openxmlformats.org/officeDocument/2006/relationships" xmlns:mc="http://schemas.openxmlformats.org/markup-compatibility/2006" xmlns:mv="urn:schemas-microsoft-com:mac:vml" xmlns:p="http://schemas.openxmlformats.org/presentationml/2006/main" mc:Ignorable="mv" mc:PreserveAttributes="mv:*" type="objTx" preserve="1">
   <p:cSld name="Content with Caption">
     <p:spTree>
       <p:nvGrpSpPr>
@@ -6366,7 +6365,7 @@
             <a:fld id="{A4AAEA4C-2FC0-8F41-AA8D-DA93A16F9072}" type="datetimeFigureOut">
               <a:rPr lang="en-US" smtClean="0"/>
               <a:pPr/>
-              <a:t>22/10/2011</a:t>
+              <a:t>10/24/11</a:t>
             </a:fld>
             <a:endParaRPr lang="en-US"/>
           </a:p>
@@ -6424,7 +6423,7 @@
 </file>
 
 <file path=ppt/slideLayouts/slideLayout9.xml><?xml version="1.0" encoding="utf-8"?>
-<p:sldLayout xmlns:a="http://schemas.openxmlformats.org/drawingml/2006/main" xmlns:r="http://schemas.openxmlformats.org/officeDocument/2006/relationships" xmlns:p="http://schemas.openxmlformats.org/presentationml/2006/main" type="picTx" preserve="1">
+<p:sldLayout xmlns:a="http://schemas.openxmlformats.org/drawingml/2006/main" xmlns:r="http://schemas.openxmlformats.org/officeDocument/2006/relationships" xmlns:mc="http://schemas.openxmlformats.org/markup-compatibility/2006" xmlns:mv="urn:schemas-microsoft-com:mac:vml" xmlns:p="http://schemas.openxmlformats.org/presentationml/2006/main" mc:Ignorable="mv" mc:PreserveAttributes="mv:*" type="picTx" preserve="1">
   <p:cSld name="Picture with Caption">
     <p:spTree>
       <p:nvGrpSpPr>
@@ -6616,7 +6615,7 @@
             <a:fld id="{A4AAEA4C-2FC0-8F41-AA8D-DA93A16F9072}" type="datetimeFigureOut">
               <a:rPr lang="en-US" smtClean="0"/>
               <a:pPr/>
-              <a:t>22/10/2011</a:t>
+              <a:t>10/24/11</a:t>
             </a:fld>
             <a:endParaRPr lang="en-US"/>
           </a:p>
@@ -6674,7 +6673,7 @@
 </file>
 
 <file path=ppt/slideMasters/slideMaster1.xml><?xml version="1.0" encoding="utf-8"?>
-<p:sldMaster xmlns:a="http://schemas.openxmlformats.org/drawingml/2006/main" xmlns:r="http://schemas.openxmlformats.org/officeDocument/2006/relationships" xmlns:p="http://schemas.openxmlformats.org/presentationml/2006/main">
+<p:sldMaster xmlns:a="http://schemas.openxmlformats.org/drawingml/2006/main" xmlns:r="http://schemas.openxmlformats.org/officeDocument/2006/relationships" xmlns:mc="http://schemas.openxmlformats.org/markup-compatibility/2006" xmlns:mv="urn:schemas-microsoft-com:mac:vml" xmlns:p="http://schemas.openxmlformats.org/presentationml/2006/main" mc:Ignorable="mv" mc:PreserveAttributes="mv:*">
   <p:cSld>
     <p:bg>
       <p:bgRef idx="1001">
@@ -6886,7 +6885,7 @@
             <a:fld id="{A4AAEA4C-2FC0-8F41-AA8D-DA93A16F9072}" type="datetimeFigureOut">
               <a:rPr lang="en-US" smtClean="0"/>
               <a:pPr/>
-              <a:t>22/10/2011</a:t>
+              <a:t>10/24/11</a:t>
             </a:fld>
             <a:endParaRPr lang="en-US"/>
           </a:p>
@@ -7241,7 +7240,7 @@
 </file>
 
 <file path=ppt/slides/slide1.xml><?xml version="1.0" encoding="utf-8"?>
-<p:sld xmlns:a="http://schemas.openxmlformats.org/drawingml/2006/main" xmlns:r="http://schemas.openxmlformats.org/officeDocument/2006/relationships" xmlns:p="http://schemas.openxmlformats.org/presentationml/2006/main">
+<p:sld xmlns:a="http://schemas.openxmlformats.org/drawingml/2006/main" xmlns:r="http://schemas.openxmlformats.org/officeDocument/2006/relationships" xmlns:mc="http://schemas.openxmlformats.org/markup-compatibility/2006" xmlns:mv="urn:schemas-microsoft-com:mac:vml" xmlns:p="http://schemas.openxmlformats.org/presentationml/2006/main" mc:Ignorable="mv" mc:PreserveAttributes="mv:*">
   <p:cSld>
     <p:spTree>
       <p:nvGrpSpPr>
@@ -7407,7 +7406,7 @@
   <p:timing>
     <p:tnLst>
       <p:par>
-        <p:cTn xmlns:p14="http://schemas.microsoft.com/office/powerpoint/2010/main" id="1" dur="indefinite" restart="never" nodeType="tmRoot"/>
+        <p:cTn id="1" dur="indefinite" restart="never" nodeType="tmRoot"/>
       </p:par>
     </p:tnLst>
   </p:timing>
@@ -7415,7 +7414,7 @@
 </file>
 
 <file path=ppt/slides/slide10.xml><?xml version="1.0" encoding="utf-8"?>
-<p:sld xmlns:a="http://schemas.openxmlformats.org/drawingml/2006/main" xmlns:r="http://schemas.openxmlformats.org/officeDocument/2006/relationships" xmlns:p="http://schemas.openxmlformats.org/presentationml/2006/main">
+<p:sld xmlns:a="http://schemas.openxmlformats.org/drawingml/2006/main" xmlns:r="http://schemas.openxmlformats.org/officeDocument/2006/relationships" xmlns:mc="http://schemas.openxmlformats.org/markup-compatibility/2006" xmlns:mv="urn:schemas-microsoft-com:mac:vml" xmlns:p="http://schemas.openxmlformats.org/presentationml/2006/main" mc:Ignorable="mv" mc:PreserveAttributes="mv:*">
   <p:cSld>
     <p:spTree>
       <p:nvGrpSpPr>
@@ -7517,7 +7516,7 @@
 </file>
 
 <file path=ppt/slides/slide11.xml><?xml version="1.0" encoding="utf-8"?>
-<p:sld xmlns:a="http://schemas.openxmlformats.org/drawingml/2006/main" xmlns:r="http://schemas.openxmlformats.org/officeDocument/2006/relationships" xmlns:p="http://schemas.openxmlformats.org/presentationml/2006/main">
+<p:sld xmlns:a="http://schemas.openxmlformats.org/drawingml/2006/main" xmlns:r="http://schemas.openxmlformats.org/officeDocument/2006/relationships" xmlns:mc="http://schemas.openxmlformats.org/markup-compatibility/2006" xmlns:mv="urn:schemas-microsoft-com:mac:vml" xmlns:p="http://schemas.openxmlformats.org/presentationml/2006/main" mc:Ignorable="mv" mc:PreserveAttributes="mv:*">
   <p:cSld>
     <p:spTree>
       <p:nvGrpSpPr>
@@ -7692,7 +7691,7 @@
 </file>
 
 <file path=ppt/slides/slide12.xml><?xml version="1.0" encoding="utf-8"?>
-<p:sld xmlns:a="http://schemas.openxmlformats.org/drawingml/2006/main" xmlns:r="http://schemas.openxmlformats.org/officeDocument/2006/relationships" xmlns:p="http://schemas.openxmlformats.org/presentationml/2006/main">
+<p:sld xmlns:a="http://schemas.openxmlformats.org/drawingml/2006/main" xmlns:r="http://schemas.openxmlformats.org/officeDocument/2006/relationships" xmlns:mc="http://schemas.openxmlformats.org/markup-compatibility/2006" xmlns:mv="urn:schemas-microsoft-com:mac:vml" xmlns:p="http://schemas.openxmlformats.org/presentationml/2006/main" mc:Ignorable="mv" mc:PreserveAttributes="mv:*">
   <p:cSld>
     <p:spTree>
       <p:nvGrpSpPr>
@@ -7803,7 +7802,7 @@
 </file>
 
 <file path=ppt/slides/slide13.xml><?xml version="1.0" encoding="utf-8"?>
-<p:sld xmlns:a="http://schemas.openxmlformats.org/drawingml/2006/main" xmlns:r="http://schemas.openxmlformats.org/officeDocument/2006/relationships" xmlns:p="http://schemas.openxmlformats.org/presentationml/2006/main">
+<p:sld xmlns:a="http://schemas.openxmlformats.org/drawingml/2006/main" xmlns:r="http://schemas.openxmlformats.org/officeDocument/2006/relationships" xmlns:mc="http://schemas.openxmlformats.org/markup-compatibility/2006" xmlns:mv="urn:schemas-microsoft-com:mac:vml" xmlns:p="http://schemas.openxmlformats.org/presentationml/2006/main" mc:Ignorable="mv" mc:PreserveAttributes="mv:*">
   <p:cSld>
     <p:spTree>
       <p:nvGrpSpPr>
@@ -7899,7 +7898,7 @@
 </file>
 
 <file path=ppt/slides/slide14.xml><?xml version="1.0" encoding="utf-8"?>
-<p:sld xmlns:a="http://schemas.openxmlformats.org/drawingml/2006/main" xmlns:r="http://schemas.openxmlformats.org/officeDocument/2006/relationships" xmlns:p="http://schemas.openxmlformats.org/presentationml/2006/main">
+<p:sld xmlns:a="http://schemas.openxmlformats.org/drawingml/2006/main" xmlns:r="http://schemas.openxmlformats.org/officeDocument/2006/relationships" xmlns:mc="http://schemas.openxmlformats.org/markup-compatibility/2006" xmlns:mv="urn:schemas-microsoft-com:mac:vml" xmlns:p="http://schemas.openxmlformats.org/presentationml/2006/main" mc:Ignorable="mv" mc:PreserveAttributes="mv:*">
   <p:cSld>
     <p:spTree>
       <p:nvGrpSpPr>
@@ -8031,7 +8030,7 @@
 </file>
 
 <file path=ppt/slides/slide15.xml><?xml version="1.0" encoding="utf-8"?>
-<p:sld xmlns:a="http://schemas.openxmlformats.org/drawingml/2006/main" xmlns:r="http://schemas.openxmlformats.org/officeDocument/2006/relationships" xmlns:p="http://schemas.openxmlformats.org/presentationml/2006/main">
+<p:sld xmlns:a="http://schemas.openxmlformats.org/drawingml/2006/main" xmlns:r="http://schemas.openxmlformats.org/officeDocument/2006/relationships" xmlns:mc="http://schemas.openxmlformats.org/markup-compatibility/2006" xmlns:mv="urn:schemas-microsoft-com:mac:vml" xmlns:p="http://schemas.openxmlformats.org/presentationml/2006/main" mc:Ignorable="mv" mc:PreserveAttributes="mv:*">
   <p:cSld>
     <p:spTree>
       <p:nvGrpSpPr>
@@ -8141,70 +8140,7 @@
 </file>
 
 <file path=ppt/slides/slide16.xml><?xml version="1.0" encoding="utf-8"?>
-<p:sld xmlns:a="http://schemas.openxmlformats.org/drawingml/2006/main" xmlns:r="http://schemas.openxmlformats.org/officeDocument/2006/relationships" xmlns:p="http://schemas.openxmlformats.org/presentationml/2006/main">
-  <p:cSld>
-    <p:spTree>
-      <p:nvGrpSpPr>
-        <p:cNvPr id="1" name=""/>
-        <p:cNvGrpSpPr/>
-        <p:nvPr/>
-      </p:nvGrpSpPr>
-      <p:grpSpPr>
-        <a:xfrm>
-          <a:off x="0" y="0"/>
-          <a:ext cx="0" cy="0"/>
-          <a:chOff x="0" y="0"/>
-          <a:chExt cx="0" cy="0"/>
-        </a:xfrm>
-      </p:grpSpPr>
-      <p:sp>
-        <p:nvSpPr>
-          <p:cNvPr id="2" name="Title 1"/>
-          <p:cNvSpPr>
-            <a:spLocks noGrp="1"/>
-          </p:cNvSpPr>
-          <p:nvPr>
-            <p:ph type="title"/>
-          </p:nvPr>
-        </p:nvSpPr>
-        <p:spPr/>
-        <p:txBody>
-          <a:bodyPr/>
-          <a:lstStyle/>
-          <a:p>
-            <a:endParaRPr lang="en-US"/>
-          </a:p>
-        </p:txBody>
-      </p:sp>
-      <p:sp>
-        <p:nvSpPr>
-          <p:cNvPr id="3" name="Content Placeholder 2"/>
-          <p:cNvSpPr>
-            <a:spLocks noGrp="1"/>
-          </p:cNvSpPr>
-          <p:nvPr>
-            <p:ph idx="1"/>
-          </p:nvPr>
-        </p:nvSpPr>
-        <p:spPr/>
-        <p:txBody>
-          <a:bodyPr/>
-          <a:lstStyle/>
-          <a:p>
-            <a:endParaRPr lang="en-US"/>
-          </a:p>
-        </p:txBody>
-      </p:sp>
-    </p:spTree>
-  </p:cSld>
-  <p:clrMapOvr>
-    <a:masterClrMapping/>
-  </p:clrMapOvr>
-</p:sld>
-</file>
-
-<file path=ppt/slides/slide17.xml><?xml version="1.0" encoding="utf-8"?>
-<p:sld xmlns:a="http://schemas.openxmlformats.org/drawingml/2006/main" xmlns:r="http://schemas.openxmlformats.org/officeDocument/2006/relationships" xmlns:p="http://schemas.openxmlformats.org/presentationml/2006/main">
+<p:sld xmlns:a="http://schemas.openxmlformats.org/drawingml/2006/main" xmlns:r="http://schemas.openxmlformats.org/officeDocument/2006/relationships" xmlns:mc="http://schemas.openxmlformats.org/markup-compatibility/2006" xmlns:mv="urn:schemas-microsoft-com:mac:vml" xmlns:p="http://schemas.openxmlformats.org/presentationml/2006/main" mc:Ignorable="mv" mc:PreserveAttributes="mv:*">
   <p:cSld>
     <p:spTree>
       <p:nvGrpSpPr>
@@ -8926,7 +8862,7 @@
   <p:timing>
     <p:tnLst>
       <p:par>
-        <p:cTn xmlns:p14="http://schemas.microsoft.com/office/powerpoint/2010/main" id="1" dur="indefinite" restart="never" nodeType="tmRoot"/>
+        <p:cTn id="1" dur="indefinite" restart="never" nodeType="tmRoot"/>
       </p:par>
     </p:tnLst>
   </p:timing>
@@ -8934,7 +8870,7 @@
 </file>
 
 <file path=ppt/slides/slide2.xml><?xml version="1.0" encoding="utf-8"?>
-<p:sld xmlns:a="http://schemas.openxmlformats.org/drawingml/2006/main" xmlns:r="http://schemas.openxmlformats.org/officeDocument/2006/relationships" xmlns:p="http://schemas.openxmlformats.org/presentationml/2006/main">
+<p:sld xmlns:a="http://schemas.openxmlformats.org/drawingml/2006/main" xmlns:r="http://schemas.openxmlformats.org/officeDocument/2006/relationships" xmlns:mc="http://schemas.openxmlformats.org/markup-compatibility/2006" xmlns:mv="urn:schemas-microsoft-com:mac:vml" xmlns:p="http://schemas.openxmlformats.org/presentationml/2006/main" mc:Ignorable="mv" mc:PreserveAttributes="mv:*">
   <p:cSld>
     <p:spTree>
       <p:nvGrpSpPr>
@@ -8967,11 +8903,7 @@
           <a:p>
             <a:r>
               <a:rPr lang="en-US" dirty="0" smtClean="0"/>
-              <a:t>Learning </a:t>
-            </a:r>
-            <a:r>
-              <a:rPr lang="en-US" dirty="0" smtClean="0"/>
-              <a:t>points</a:t>
+              <a:t>Learning points</a:t>
             </a:r>
             <a:endParaRPr lang="en-US" dirty="0"/>
           </a:p>
@@ -8996,15 +8928,7 @@
           <a:p>
             <a:r>
               <a:rPr lang="en-US" dirty="0" smtClean="0"/>
-              <a:t>How to </a:t>
-            </a:r>
-            <a:r>
-              <a:rPr lang="en-US" dirty="0" smtClean="0"/>
-              <a:t>locate </a:t>
-            </a:r>
-            <a:r>
-              <a:rPr lang="en-US" dirty="0" smtClean="0"/>
-              <a:t> </a:t>
+              <a:t>How to locate  </a:t>
             </a:r>
             <a:r>
               <a:rPr lang="en-US" smtClean="0"/>
@@ -9058,24 +8982,16 @@
           <a:p>
             <a:r>
               <a:rPr lang="en-US" dirty="0" smtClean="0"/>
-              <a:t>How to </a:t>
-            </a:r>
+              <a:t>How to find contigs and scaffold</a:t>
+            </a:r>
+          </a:p>
+          <a:p>
+            <a:endParaRPr lang="en-US" dirty="0" smtClean="0"/>
+          </a:p>
+          <a:p>
             <a:r>
               <a:rPr lang="en-US" dirty="0" smtClean="0"/>
-              <a:t>find contigs and scaffold</a:t>
-            </a:r>
-          </a:p>
-          <a:p>
-            <a:endParaRPr lang="en-US" dirty="0" smtClean="0"/>
-          </a:p>
-          <a:p>
-            <a:r>
-              <a:rPr lang="en-US" dirty="0" smtClean="0"/>
-              <a:t>How to inspect </a:t>
-            </a:r>
-            <a:r>
-              <a:rPr lang="en-US" dirty="0" smtClean="0"/>
-              <a:t>alignments</a:t>
+              <a:t>How to inspect alignments</a:t>
             </a:r>
           </a:p>
           <a:p>
@@ -9105,7 +9021,7 @@
 </file>
 
 <file path=ppt/slides/slide3.xml><?xml version="1.0" encoding="utf-8"?>
-<p:sld xmlns:a="http://schemas.openxmlformats.org/drawingml/2006/main" xmlns:r="http://schemas.openxmlformats.org/officeDocument/2006/relationships" xmlns:p="http://schemas.openxmlformats.org/presentationml/2006/main">
+<p:sld xmlns:a="http://schemas.openxmlformats.org/drawingml/2006/main" xmlns:r="http://schemas.openxmlformats.org/officeDocument/2006/relationships" xmlns:mc="http://schemas.openxmlformats.org/markup-compatibility/2006" xmlns:mv="urn:schemas-microsoft-com:mac:vml" xmlns:p="http://schemas.openxmlformats.org/presentationml/2006/main" mc:Ignorable="mv" mc:PreserveAttributes="mv:*">
   <p:cSld>
     <p:spTree>
       <p:nvGrpSpPr>
@@ -9235,7 +9151,7 @@
         </p:xfrm>
         <a:graphic>
           <a:graphicData uri="http://schemas.openxmlformats.org/drawingml/2006/diagram">
-            <dgm:relIds xmlns:dgm="http://schemas.openxmlformats.org/drawingml/2006/diagram" xmlns:r="http://schemas.openxmlformats.org/officeDocument/2006/relationships" r:dm="rId5" r:lo="rId6" r:qs="rId7" r:cs="rId8"/>
+            <a:relIds xmlns:dgm="http://schemas.openxmlformats.org/drawingml/2006/diagram" xmlns:r="http://schemas.openxmlformats.org/officeDocument/2006/relationships" r:dm="rId5" r:lo="rId6" r:qs="rId7" r:cs="rId8"/>
           </a:graphicData>
         </a:graphic>
       </p:graphicFrame>
@@ -9247,7 +9163,7 @@
   <p:timing>
     <p:tnLst>
       <p:par>
-        <p:cTn xmlns:p14="http://schemas.microsoft.com/office/powerpoint/2010/main" id="1" dur="indefinite" restart="never" nodeType="tmRoot"/>
+        <p:cTn id="1" dur="indefinite" restart="never" nodeType="tmRoot"/>
       </p:par>
     </p:tnLst>
   </p:timing>
@@ -9255,7 +9171,7 @@
 </file>
 
 <file path=ppt/slides/slide4.xml><?xml version="1.0" encoding="utf-8"?>
-<p:sld xmlns:a="http://schemas.openxmlformats.org/drawingml/2006/main" xmlns:r="http://schemas.openxmlformats.org/officeDocument/2006/relationships" xmlns:p="http://schemas.openxmlformats.org/presentationml/2006/main">
+<p:sld xmlns:a="http://schemas.openxmlformats.org/drawingml/2006/main" xmlns:r="http://schemas.openxmlformats.org/officeDocument/2006/relationships" xmlns:mc="http://schemas.openxmlformats.org/markup-compatibility/2006" xmlns:mv="urn:schemas-microsoft-com:mac:vml" xmlns:p="http://schemas.openxmlformats.org/presentationml/2006/main" mc:Ignorable="mv" mc:PreserveAttributes="mv:*">
   <p:cSld>
     <p:spTree>
       <p:nvGrpSpPr>
@@ -9410,7 +9326,7 @@
 </file>
 
 <file path=ppt/slides/slide5.xml><?xml version="1.0" encoding="utf-8"?>
-<p:sld xmlns:a="http://schemas.openxmlformats.org/drawingml/2006/main" xmlns:r="http://schemas.openxmlformats.org/officeDocument/2006/relationships" xmlns:p="http://schemas.openxmlformats.org/presentationml/2006/main">
+<p:sld xmlns:a="http://schemas.openxmlformats.org/drawingml/2006/main" xmlns:r="http://schemas.openxmlformats.org/officeDocument/2006/relationships" xmlns:mc="http://schemas.openxmlformats.org/markup-compatibility/2006" xmlns:mv="urn:schemas-microsoft-com:mac:vml" xmlns:p="http://schemas.openxmlformats.org/presentationml/2006/main" mc:Ignorable="mv" mc:PreserveAttributes="mv:*">
   <p:cSld>
     <p:spTree>
       <p:nvGrpSpPr>
@@ -9596,7 +9512,7 @@
   <p:timing>
     <p:tnLst>
       <p:par>
-        <p:cTn xmlns:p14="http://schemas.microsoft.com/office/powerpoint/2010/main" id="1" dur="indefinite" restart="never" nodeType="tmRoot"/>
+        <p:cTn id="1" dur="indefinite" restart="never" nodeType="tmRoot"/>
       </p:par>
     </p:tnLst>
   </p:timing>
@@ -9604,7 +9520,7 @@
 </file>
 
 <file path=ppt/slides/slide6.xml><?xml version="1.0" encoding="utf-8"?>
-<p:sld xmlns:a="http://schemas.openxmlformats.org/drawingml/2006/main" xmlns:r="http://schemas.openxmlformats.org/officeDocument/2006/relationships" xmlns:p="http://schemas.openxmlformats.org/presentationml/2006/main">
+<p:sld xmlns:a="http://schemas.openxmlformats.org/drawingml/2006/main" xmlns:r="http://schemas.openxmlformats.org/officeDocument/2006/relationships" xmlns:mc="http://schemas.openxmlformats.org/markup-compatibility/2006" xmlns:mv="urn:schemas-microsoft-com:mac:vml" xmlns:p="http://schemas.openxmlformats.org/presentationml/2006/main" mc:Ignorable="mv" mc:PreserveAttributes="mv:*">
   <p:cSld>
     <p:spTree>
       <p:nvGrpSpPr>
@@ -9697,7 +9613,7 @@
   <p:timing>
     <p:tnLst>
       <p:par>
-        <p:cTn xmlns:p14="http://schemas.microsoft.com/office/powerpoint/2010/main" id="1" dur="indefinite" restart="never" nodeType="tmRoot"/>
+        <p:cTn id="1" dur="indefinite" restart="never" nodeType="tmRoot"/>
       </p:par>
     </p:tnLst>
   </p:timing>
@@ -9705,7 +9621,7 @@
 </file>
 
 <file path=ppt/slides/slide7.xml><?xml version="1.0" encoding="utf-8"?>
-<p:sld xmlns:a="http://schemas.openxmlformats.org/drawingml/2006/main" xmlns:r="http://schemas.openxmlformats.org/officeDocument/2006/relationships" xmlns:p="http://schemas.openxmlformats.org/presentationml/2006/main">
+<p:sld xmlns:a="http://schemas.openxmlformats.org/drawingml/2006/main" xmlns:r="http://schemas.openxmlformats.org/officeDocument/2006/relationships" xmlns:mc="http://schemas.openxmlformats.org/markup-compatibility/2006" xmlns:mv="urn:schemas-microsoft-com:mac:vml" xmlns:p="http://schemas.openxmlformats.org/presentationml/2006/main" mc:Ignorable="mv" mc:PreserveAttributes="mv:*">
   <p:cSld>
     <p:spTree>
       <p:nvGrpSpPr>
@@ -9819,7 +9735,7 @@
   <p:timing>
     <p:tnLst>
       <p:par>
-        <p:cTn xmlns:p14="http://schemas.microsoft.com/office/powerpoint/2010/main" id="1" dur="indefinite" restart="never" nodeType="tmRoot"/>
+        <p:cTn id="1" dur="indefinite" restart="never" nodeType="tmRoot"/>
       </p:par>
     </p:tnLst>
   </p:timing>
@@ -9827,7 +9743,7 @@
 </file>
 
 <file path=ppt/slides/slide8.xml><?xml version="1.0" encoding="utf-8"?>
-<p:sld xmlns:a="http://schemas.openxmlformats.org/drawingml/2006/main" xmlns:r="http://schemas.openxmlformats.org/officeDocument/2006/relationships" xmlns:p="http://schemas.openxmlformats.org/presentationml/2006/main">
+<p:sld xmlns:a="http://schemas.openxmlformats.org/drawingml/2006/main" xmlns:r="http://schemas.openxmlformats.org/officeDocument/2006/relationships" xmlns:mc="http://schemas.openxmlformats.org/markup-compatibility/2006" xmlns:mv="urn:schemas-microsoft-com:mac:vml" xmlns:p="http://schemas.openxmlformats.org/presentationml/2006/main" mc:Ignorable="mv" mc:PreserveAttributes="mv:*">
   <p:cSld>
     <p:spTree>
       <p:nvGrpSpPr>
@@ -9923,7 +9839,7 @@
   <p:timing>
     <p:tnLst>
       <p:par>
-        <p:cTn xmlns:p14="http://schemas.microsoft.com/office/powerpoint/2010/main" id="1" dur="indefinite" restart="never" nodeType="tmRoot"/>
+        <p:cTn id="1" dur="indefinite" restart="never" nodeType="tmRoot"/>
       </p:par>
     </p:tnLst>
   </p:timing>
@@ -9931,7 +9847,7 @@
 </file>
 
 <file path=ppt/slides/slide9.xml><?xml version="1.0" encoding="utf-8"?>
-<p:sld xmlns:a="http://schemas.openxmlformats.org/drawingml/2006/main" xmlns:r="http://schemas.openxmlformats.org/officeDocument/2006/relationships" xmlns:p="http://schemas.openxmlformats.org/presentationml/2006/main">
+<p:sld xmlns:a="http://schemas.openxmlformats.org/drawingml/2006/main" xmlns:r="http://schemas.openxmlformats.org/officeDocument/2006/relationships" xmlns:mc="http://schemas.openxmlformats.org/markup-compatibility/2006" xmlns:mv="urn:schemas-microsoft-com:mac:vml" xmlns:p="http://schemas.openxmlformats.org/presentationml/2006/main" mc:Ignorable="mv" mc:PreserveAttributes="mv:*">
   <p:cSld>
     <p:spTree>
       <p:nvGrpSpPr>

--- a/presentations/Practical_3_Newbler_output.pptx
+++ b/presentations/Practical_3_Newbler_output.pptx
@@ -1,6 +1,6 @@
 
 <file path=ppt/presentation.xml><?xml version="1.0" encoding="utf-8"?>
-<p:presentation xmlns:a="http://schemas.openxmlformats.org/drawingml/2006/main" xmlns:r="http://schemas.openxmlformats.org/officeDocument/2006/relationships" xmlns:mc="http://schemas.openxmlformats.org/markup-compatibility/2006" xmlns:mv="urn:schemas-microsoft-com:mac:vml" xmlns:p="http://schemas.openxmlformats.org/presentationml/2006/main" mc:Ignorable="mv" mc:PreserveAttributes="mv:*" saveSubsetFonts="1" autoCompressPictures="0">
+<p:presentation xmlns:a="http://schemas.openxmlformats.org/drawingml/2006/main" xmlns:r="http://schemas.openxmlformats.org/officeDocument/2006/relationships" xmlns:p="http://schemas.openxmlformats.org/presentationml/2006/main" saveSubsetFonts="1" autoCompressPictures="0">
   <p:sldMasterIdLst>
     <p:sldMasterId id="2147483648" r:id="rId1"/>
   </p:sldMasterIdLst>
@@ -1142,18 +1142,18 @@
     </dgm:pt>
   </dgm:ptLst>
   <dgm:cxnLst>
+    <dgm:cxn modelId="{4119544B-8B6E-C14B-959F-1FCD3A10A202}" srcId="{3DA9F03A-58B3-6E42-97B6-C82F6BE4AC02}" destId="{A90563CB-9AA7-7A4F-A2D3-1833EB33F096}" srcOrd="2" destOrd="0" parTransId="{F117953E-4B18-534A-85C2-054D467DDED6}" sibTransId="{A8B6D5BD-DDA7-C44C-8099-6791FEB9B825}"/>
+    <dgm:cxn modelId="{EEBCDC05-BEFE-AD4C-B000-E83180D326A4}" type="presOf" srcId="{C31672CD-A6DA-0947-88DC-4AC475C7D94C}" destId="{4688A66D-FCFF-B74B-9D85-CF9CEE7BE925}" srcOrd="0" destOrd="0" presId="urn:microsoft.com/office/officeart/2005/8/layout/vProcess5"/>
+    <dgm:cxn modelId="{1E3B2500-8247-A04F-8CDB-573212B33E7D}" type="presOf" srcId="{807A1DB1-303A-3645-9D61-5ABFB53468DF}" destId="{3EC282C0-3B33-AC43-B3C9-EEF6EDEFBD7A}" srcOrd="0" destOrd="0" presId="urn:microsoft.com/office/officeart/2005/8/layout/vProcess5"/>
+    <dgm:cxn modelId="{1D474EC8-600E-FD47-99AF-45E8A74153F0}" srcId="{3DA9F03A-58B3-6E42-97B6-C82F6BE4AC02}" destId="{692F79ED-0479-1D41-BA06-C21777F69308}" srcOrd="0" destOrd="0" parTransId="{B60AEC23-FB62-6641-A49C-B66184EBBDE9}" sibTransId="{807A1DB1-303A-3645-9D61-5ABFB53468DF}"/>
+    <dgm:cxn modelId="{BCED3574-52F8-2240-869C-864367E4A178}" type="presOf" srcId="{692F79ED-0479-1D41-BA06-C21777F69308}" destId="{3B11D3C1-FD2C-6249-B36E-6FF0759A07A8}" srcOrd="1" destOrd="0" presId="urn:microsoft.com/office/officeart/2005/8/layout/vProcess5"/>
+    <dgm:cxn modelId="{299F0A9F-3AB5-044E-AF89-4316BFF04602}" type="presOf" srcId="{A90563CB-9AA7-7A4F-A2D3-1833EB33F096}" destId="{4DFCC841-CB5F-4C46-9594-2A7DE8DC21A1}" srcOrd="1" destOrd="0" presId="urn:microsoft.com/office/officeart/2005/8/layout/vProcess5"/>
+    <dgm:cxn modelId="{B18C5664-DAC6-3C42-825E-4B8FD05B3642}" type="presOf" srcId="{692F79ED-0479-1D41-BA06-C21777F69308}" destId="{A3BF7273-3BEC-A246-BDA7-7AF3F91C0396}" srcOrd="0" destOrd="0" presId="urn:microsoft.com/office/officeart/2005/8/layout/vProcess5"/>
+    <dgm:cxn modelId="{A2130B93-158F-AA44-AD84-67DF8D23D5D8}" type="presOf" srcId="{FFF8F105-7544-6246-8E26-92C3C6582802}" destId="{932020CA-DD87-034E-892F-7240B97A33F4}" srcOrd="1" destOrd="0" presId="urn:microsoft.com/office/officeart/2005/8/layout/vProcess5"/>
+    <dgm:cxn modelId="{BA726438-98C3-4D49-A220-BD46E9FAF54E}" srcId="{3DA9F03A-58B3-6E42-97B6-C82F6BE4AC02}" destId="{FFF8F105-7544-6246-8E26-92C3C6582802}" srcOrd="1" destOrd="0" parTransId="{F6486969-27C4-A348-88F8-57894F6754F6}" sibTransId="{C31672CD-A6DA-0947-88DC-4AC475C7D94C}"/>
     <dgm:cxn modelId="{8CE62E3F-CA07-3145-BF38-F33418D747C1}" type="presOf" srcId="{FFF8F105-7544-6246-8E26-92C3C6582802}" destId="{BA6C3F20-179C-0F49-AC99-48D8818599E0}" srcOrd="0" destOrd="0" presId="urn:microsoft.com/office/officeart/2005/8/layout/vProcess5"/>
-    <dgm:cxn modelId="{1E3B2500-8247-A04F-8CDB-573212B33E7D}" type="presOf" srcId="{807A1DB1-303A-3645-9D61-5ABFB53468DF}" destId="{3EC282C0-3B33-AC43-B3C9-EEF6EDEFBD7A}" srcOrd="0" destOrd="0" presId="urn:microsoft.com/office/officeart/2005/8/layout/vProcess5"/>
-    <dgm:cxn modelId="{B18C5664-DAC6-3C42-825E-4B8FD05B3642}" type="presOf" srcId="{692F79ED-0479-1D41-BA06-C21777F69308}" destId="{A3BF7273-3BEC-A246-BDA7-7AF3F91C0396}" srcOrd="0" destOrd="0" presId="urn:microsoft.com/office/officeart/2005/8/layout/vProcess5"/>
-    <dgm:cxn modelId="{4119544B-8B6E-C14B-959F-1FCD3A10A202}" srcId="{3DA9F03A-58B3-6E42-97B6-C82F6BE4AC02}" destId="{A90563CB-9AA7-7A4F-A2D3-1833EB33F096}" srcOrd="2" destOrd="0" parTransId="{F117953E-4B18-534A-85C2-054D467DDED6}" sibTransId="{A8B6D5BD-DDA7-C44C-8099-6791FEB9B825}"/>
-    <dgm:cxn modelId="{BCED3574-52F8-2240-869C-864367E4A178}" type="presOf" srcId="{692F79ED-0479-1D41-BA06-C21777F69308}" destId="{3B11D3C1-FD2C-6249-B36E-6FF0759A07A8}" srcOrd="1" destOrd="0" presId="urn:microsoft.com/office/officeart/2005/8/layout/vProcess5"/>
-    <dgm:cxn modelId="{BA726438-98C3-4D49-A220-BD46E9FAF54E}" srcId="{3DA9F03A-58B3-6E42-97B6-C82F6BE4AC02}" destId="{FFF8F105-7544-6246-8E26-92C3C6582802}" srcOrd="1" destOrd="0" parTransId="{F6486969-27C4-A348-88F8-57894F6754F6}" sibTransId="{C31672CD-A6DA-0947-88DC-4AC475C7D94C}"/>
-    <dgm:cxn modelId="{A2130B93-158F-AA44-AD84-67DF8D23D5D8}" type="presOf" srcId="{FFF8F105-7544-6246-8E26-92C3C6582802}" destId="{932020CA-DD87-034E-892F-7240B97A33F4}" srcOrd="1" destOrd="0" presId="urn:microsoft.com/office/officeart/2005/8/layout/vProcess5"/>
-    <dgm:cxn modelId="{299F0A9F-3AB5-044E-AF89-4316BFF04602}" type="presOf" srcId="{A90563CB-9AA7-7A4F-A2D3-1833EB33F096}" destId="{4DFCC841-CB5F-4C46-9594-2A7DE8DC21A1}" srcOrd="1" destOrd="0" presId="urn:microsoft.com/office/officeart/2005/8/layout/vProcess5"/>
-    <dgm:cxn modelId="{1D474EC8-600E-FD47-99AF-45E8A74153F0}" srcId="{3DA9F03A-58B3-6E42-97B6-C82F6BE4AC02}" destId="{692F79ED-0479-1D41-BA06-C21777F69308}" srcOrd="0" destOrd="0" parTransId="{B60AEC23-FB62-6641-A49C-B66184EBBDE9}" sibTransId="{807A1DB1-303A-3645-9D61-5ABFB53468DF}"/>
+    <dgm:cxn modelId="{F63A4A40-6BFE-024C-A3B5-65320C1D33F8}" type="presOf" srcId="{A90563CB-9AA7-7A4F-A2D3-1833EB33F096}" destId="{D0761090-07EF-BD47-B071-397EFFE7E36F}" srcOrd="0" destOrd="0" presId="urn:microsoft.com/office/officeart/2005/8/layout/vProcess5"/>
     <dgm:cxn modelId="{F6B80773-767F-9746-94A0-EE6A6352EEF0}" type="presOf" srcId="{3DA9F03A-58B3-6E42-97B6-C82F6BE4AC02}" destId="{C4B592D7-4E5A-B64E-BF10-A30B3260B69F}" srcOrd="0" destOrd="0" presId="urn:microsoft.com/office/officeart/2005/8/layout/vProcess5"/>
-    <dgm:cxn modelId="{EEBCDC05-BEFE-AD4C-B000-E83180D326A4}" type="presOf" srcId="{C31672CD-A6DA-0947-88DC-4AC475C7D94C}" destId="{4688A66D-FCFF-B74B-9D85-CF9CEE7BE925}" srcOrd="0" destOrd="0" presId="urn:microsoft.com/office/officeart/2005/8/layout/vProcess5"/>
-    <dgm:cxn modelId="{F63A4A40-6BFE-024C-A3B5-65320C1D33F8}" type="presOf" srcId="{A90563CB-9AA7-7A4F-A2D3-1833EB33F096}" destId="{D0761090-07EF-BD47-B071-397EFFE7E36F}" srcOrd="0" destOrd="0" presId="urn:microsoft.com/office/officeart/2005/8/layout/vProcess5"/>
     <dgm:cxn modelId="{BE9DD6DE-16EC-AC43-A2C4-A51E4DF4740E}" type="presParOf" srcId="{C4B592D7-4E5A-B64E-BF10-A30B3260B69F}" destId="{4BB2A4A9-8C7A-474F-8689-FB35A9AA34A9}" srcOrd="0" destOrd="0" presId="urn:microsoft.com/office/officeart/2005/8/layout/vProcess5"/>
     <dgm:cxn modelId="{313452E7-98EC-0F4B-B8B2-7A0ABA8CA435}" type="presParOf" srcId="{C4B592D7-4E5A-B64E-BF10-A30B3260B69F}" destId="{A3BF7273-3BEC-A246-BDA7-7AF3F91C0396}" srcOrd="1" destOrd="0" presId="urn:microsoft.com/office/officeart/2005/8/layout/vProcess5"/>
     <dgm:cxn modelId="{D4EDEC8C-A918-7F4E-ADB9-43873E510904}" type="presParOf" srcId="{C4B592D7-4E5A-B64E-BF10-A30B3260B69F}" destId="{BA6C3F20-179C-0F49-AC99-48D8818599E0}" srcOrd="2" destOrd="0" presId="urn:microsoft.com/office/officeart/2005/8/layout/vProcess5"/>
@@ -1168,14 +1168,14 @@
   <dgm:whole/>
   <dgm:extLst>
     <a:ext uri="http://schemas.microsoft.com/office/drawing/2008/diagram">
-      <dsp:dataModelExt xmlns:dsp="http://schemas.microsoft.com/office/drawing/2008/diagram" xmlns="" relId="rId9" minVer="http://schemas.openxmlformats.org/drawingml/2006/diagram"/>
+      <dsp:dataModelExt xmlns:dsp="http://schemas.microsoft.com/office/drawing/2008/diagram" relId="rId9" minVer="http://schemas.openxmlformats.org/drawingml/2006/diagram"/>
     </a:ext>
   </dgm:extLst>
 </dgm:dataModel>
 </file>
 
 <file path=ppt/diagrams/drawing1.xml><?xml version="1.0" encoding="utf-8"?>
-<dsp:drawing xmlns:dgm="http://schemas.openxmlformats.org/drawingml/2006/diagram" xmlns:a="http://schemas.openxmlformats.org/drawingml/2006/main" xmlns:dsp="http://schemas.microsoft.com/office/drawing/2008/diagram">
+<dsp:drawing xmlns:dgm="http://schemas.openxmlformats.org/drawingml/2006/diagram" xmlns:dsp="http://schemas.microsoft.com/office/drawing/2008/diagram" xmlns:a="http://schemas.openxmlformats.org/drawingml/2006/main">
   <dsp:spTree>
     <dsp:nvGrpSpPr>
       <dsp:cNvPr id="0" name=""/>
@@ -1274,8 +1274,8 @@
         </a:p>
       </dsp:txBody>
       <dsp:txXfrm>
-        <a:off x="0" y="0"/>
-        <a:ext cx="3549687" cy="815340"/>
+        <a:off x="23880" y="23880"/>
+        <a:ext cx="3501927" cy="767580"/>
       </dsp:txXfrm>
     </dsp:sp>
     <dsp:sp modelId="{BA6C3F20-179C-0F49-AC99-48D8818599E0}">
@@ -1370,8 +1370,8 @@
         </a:p>
       </dsp:txBody>
       <dsp:txXfrm>
-        <a:off x="386624" y="951229"/>
-        <a:ext cx="3465146" cy="815340"/>
+        <a:off x="410504" y="975109"/>
+        <a:ext cx="3417386" cy="767580"/>
       </dsp:txXfrm>
     </dsp:sp>
     <dsp:sp modelId="{D0761090-07EF-BD47-B071-397EFFE7E36F}">
@@ -1466,8 +1466,8 @@
         </a:p>
       </dsp:txBody>
       <dsp:txXfrm>
-        <a:off x="773248" y="1902459"/>
-        <a:ext cx="3465146" cy="815340"/>
+        <a:off x="797128" y="1926339"/>
+        <a:ext cx="3417386" cy="767580"/>
       </dsp:txXfrm>
     </dsp:sp>
     <dsp:sp modelId="{3EC282C0-3B33-AC43-B3C9-EEF6EDEFBD7A}">
@@ -1544,8 +1544,8 @@
         </a:p>
       </dsp:txBody>
       <dsp:txXfrm>
-        <a:off x="3851770" y="618299"/>
-        <a:ext cx="529971" cy="529971"/>
+        <a:off x="3971013" y="618299"/>
+        <a:ext cx="291485" cy="398803"/>
       </dsp:txXfrm>
     </dsp:sp>
     <dsp:sp modelId="{4688A66D-FCFF-B74B-9D85-CF9CEE7BE925}">
@@ -1622,8 +1622,8 @@
         </a:p>
       </dsp:txBody>
       <dsp:txXfrm>
-        <a:off x="4238394" y="1564093"/>
-        <a:ext cx="529971" cy="529971"/>
+        <a:off x="4357637" y="1564093"/>
+        <a:ext cx="291485" cy="398803"/>
       </dsp:txXfrm>
     </dsp:sp>
   </dsp:spTree>
@@ -3891,7 +3891,7 @@
 </file>
 
 <file path=ppt/notesMasters/notesMaster1.xml><?xml version="1.0" encoding="utf-8"?>
-<p:notesMaster xmlns:a="http://schemas.openxmlformats.org/drawingml/2006/main" xmlns:r="http://schemas.openxmlformats.org/officeDocument/2006/relationships" xmlns:mc="http://schemas.openxmlformats.org/markup-compatibility/2006" xmlns:mv="urn:schemas-microsoft-com:mac:vml" xmlns:p="http://schemas.openxmlformats.org/presentationml/2006/main" mc:Ignorable="mv" mc:PreserveAttributes="mv:*">
+<p:notesMaster xmlns:a="http://schemas.openxmlformats.org/drawingml/2006/main" xmlns:r="http://schemas.openxmlformats.org/officeDocument/2006/relationships" xmlns:p="http://schemas.openxmlformats.org/presentationml/2006/main">
   <p:cSld>
     <p:bg>
       <p:bgRef idx="1001">
@@ -3973,7 +3973,7 @@
             <a:fld id="{7B017CDE-E91F-D348-A70E-2B7B84391936}" type="datetimeFigureOut">
               <a:rPr lang="en-US" smtClean="0"/>
               <a:pPr/>
-              <a:t>10/24/11</a:t>
+              <a:t>26/10/2011</a:t>
             </a:fld>
             <a:endParaRPr lang="en-US"/>
           </a:p>
@@ -4144,7 +4144,7 @@
     </p:spTree>
     <p:extLst>
       <p:ext uri="{BB962C8B-B14F-4D97-AF65-F5344CB8AC3E}">
-        <p14:creationId xmlns:p14="http://schemas.microsoft.com/office/powerpoint/2010/main" xmlns:p="http://schemas.openxmlformats.org/presentationml/2006/main" xmlns:r="http://schemas.openxmlformats.org/officeDocument/2006/relationships" xmlns:a="http://schemas.openxmlformats.org/drawingml/2006/main" xmlns="" val="2456270233"/>
+        <p14:creationId xmlns:p14="http://schemas.microsoft.com/office/powerpoint/2010/main" val="2456270233"/>
       </p:ext>
     </p:extLst>
   </p:cSld>
@@ -4245,7 +4245,7 @@
 </file>
 
 <file path=ppt/slideLayouts/slideLayout1.xml><?xml version="1.0" encoding="utf-8"?>
-<p:sldLayout xmlns:a="http://schemas.openxmlformats.org/drawingml/2006/main" xmlns:r="http://schemas.openxmlformats.org/officeDocument/2006/relationships" xmlns:mc="http://schemas.openxmlformats.org/markup-compatibility/2006" xmlns:mv="urn:schemas-microsoft-com:mac:vml" xmlns:p="http://schemas.openxmlformats.org/presentationml/2006/main" mc:Ignorable="mv" mc:PreserveAttributes="mv:*" type="title" preserve="1">
+<p:sldLayout xmlns:a="http://schemas.openxmlformats.org/drawingml/2006/main" xmlns:r="http://schemas.openxmlformats.org/officeDocument/2006/relationships" xmlns:p="http://schemas.openxmlformats.org/presentationml/2006/main" type="title" preserve="1">
   <p:cSld name="Title Slide">
     <p:spTree>
       <p:nvGrpSpPr>
@@ -4426,7 +4426,7 @@
             <a:fld id="{A4AAEA4C-2FC0-8F41-AA8D-DA93A16F9072}" type="datetimeFigureOut">
               <a:rPr lang="en-US" smtClean="0"/>
               <a:pPr/>
-              <a:t>10/24/11</a:t>
+              <a:t>26/10/2011</a:t>
             </a:fld>
             <a:endParaRPr lang="en-US"/>
           </a:p>
@@ -4484,7 +4484,7 @@
 </file>
 
 <file path=ppt/slideLayouts/slideLayout10.xml><?xml version="1.0" encoding="utf-8"?>
-<p:sldLayout xmlns:a="http://schemas.openxmlformats.org/drawingml/2006/main" xmlns:r="http://schemas.openxmlformats.org/officeDocument/2006/relationships" xmlns:mc="http://schemas.openxmlformats.org/markup-compatibility/2006" xmlns:mv="urn:schemas-microsoft-com:mac:vml" xmlns:p="http://schemas.openxmlformats.org/presentationml/2006/main" mc:Ignorable="mv" mc:PreserveAttributes="mv:*" type="vertTx" preserve="1">
+<p:sldLayout xmlns:a="http://schemas.openxmlformats.org/drawingml/2006/main" xmlns:r="http://schemas.openxmlformats.org/officeDocument/2006/relationships" xmlns:p="http://schemas.openxmlformats.org/presentationml/2006/main" type="vertTx" preserve="1">
   <p:cSld name="Title and Vertical Text">
     <p:spTree>
       <p:nvGrpSpPr>
@@ -4593,7 +4593,7 @@
             <a:fld id="{A4AAEA4C-2FC0-8F41-AA8D-DA93A16F9072}" type="datetimeFigureOut">
               <a:rPr lang="en-US" smtClean="0"/>
               <a:pPr/>
-              <a:t>10/24/11</a:t>
+              <a:t>26/10/2011</a:t>
             </a:fld>
             <a:endParaRPr lang="en-US"/>
           </a:p>
@@ -4651,7 +4651,7 @@
 </file>
 
 <file path=ppt/slideLayouts/slideLayout11.xml><?xml version="1.0" encoding="utf-8"?>
-<p:sldLayout xmlns:a="http://schemas.openxmlformats.org/drawingml/2006/main" xmlns:r="http://schemas.openxmlformats.org/officeDocument/2006/relationships" xmlns:mc="http://schemas.openxmlformats.org/markup-compatibility/2006" xmlns:mv="urn:schemas-microsoft-com:mac:vml" xmlns:p="http://schemas.openxmlformats.org/presentationml/2006/main" mc:Ignorable="mv" mc:PreserveAttributes="mv:*" type="vertTitleAndTx" preserve="1">
+<p:sldLayout xmlns:a="http://schemas.openxmlformats.org/drawingml/2006/main" xmlns:r="http://schemas.openxmlformats.org/officeDocument/2006/relationships" xmlns:p="http://schemas.openxmlformats.org/presentationml/2006/main" type="vertTitleAndTx" preserve="1">
   <p:cSld name="Vertical Title and Text">
     <p:spTree>
       <p:nvGrpSpPr>
@@ -4770,7 +4770,7 @@
             <a:fld id="{A4AAEA4C-2FC0-8F41-AA8D-DA93A16F9072}" type="datetimeFigureOut">
               <a:rPr lang="en-US" smtClean="0"/>
               <a:pPr/>
-              <a:t>10/24/11</a:t>
+              <a:t>26/10/2011</a:t>
             </a:fld>
             <a:endParaRPr lang="en-US"/>
           </a:p>
@@ -4828,7 +4828,7 @@
 </file>
 
 <file path=ppt/slideLayouts/slideLayout2.xml><?xml version="1.0" encoding="utf-8"?>
-<p:sldLayout xmlns:a="http://schemas.openxmlformats.org/drawingml/2006/main" xmlns:r="http://schemas.openxmlformats.org/officeDocument/2006/relationships" xmlns:mc="http://schemas.openxmlformats.org/markup-compatibility/2006" xmlns:mv="urn:schemas-microsoft-com:mac:vml" xmlns:p="http://schemas.openxmlformats.org/presentationml/2006/main" mc:Ignorable="mv" mc:PreserveAttributes="mv:*" type="obj" preserve="1">
+<p:sldLayout xmlns:a="http://schemas.openxmlformats.org/drawingml/2006/main" xmlns:r="http://schemas.openxmlformats.org/officeDocument/2006/relationships" xmlns:p="http://schemas.openxmlformats.org/presentationml/2006/main" type="obj" preserve="1">
   <p:cSld name="Title and Content">
     <p:spTree>
       <p:nvGrpSpPr>
@@ -4937,7 +4937,7 @@
             <a:fld id="{A4AAEA4C-2FC0-8F41-AA8D-DA93A16F9072}" type="datetimeFigureOut">
               <a:rPr lang="en-US" smtClean="0"/>
               <a:pPr/>
-              <a:t>10/24/11</a:t>
+              <a:t>26/10/2011</a:t>
             </a:fld>
             <a:endParaRPr lang="en-US"/>
           </a:p>
@@ -4995,7 +4995,7 @@
 </file>
 
 <file path=ppt/slideLayouts/slideLayout3.xml><?xml version="1.0" encoding="utf-8"?>
-<p:sldLayout xmlns:a="http://schemas.openxmlformats.org/drawingml/2006/main" xmlns:r="http://schemas.openxmlformats.org/officeDocument/2006/relationships" xmlns:mc="http://schemas.openxmlformats.org/markup-compatibility/2006" xmlns:mv="urn:schemas-microsoft-com:mac:vml" xmlns:p="http://schemas.openxmlformats.org/presentationml/2006/main" mc:Ignorable="mv" mc:PreserveAttributes="mv:*" type="secHead" preserve="1">
+<p:sldLayout xmlns:a="http://schemas.openxmlformats.org/drawingml/2006/main" xmlns:r="http://schemas.openxmlformats.org/officeDocument/2006/relationships" xmlns:p="http://schemas.openxmlformats.org/presentationml/2006/main" type="secHead" preserve="1">
   <p:cSld name="Section Header">
     <p:spTree>
       <p:nvGrpSpPr>
@@ -5180,7 +5180,7 @@
             <a:fld id="{A4AAEA4C-2FC0-8F41-AA8D-DA93A16F9072}" type="datetimeFigureOut">
               <a:rPr lang="en-US" smtClean="0"/>
               <a:pPr/>
-              <a:t>10/24/11</a:t>
+              <a:t>26/10/2011</a:t>
             </a:fld>
             <a:endParaRPr lang="en-US"/>
           </a:p>
@@ -5238,7 +5238,7 @@
 </file>
 
 <file path=ppt/slideLayouts/slideLayout4.xml><?xml version="1.0" encoding="utf-8"?>
-<p:sldLayout xmlns:a="http://schemas.openxmlformats.org/drawingml/2006/main" xmlns:r="http://schemas.openxmlformats.org/officeDocument/2006/relationships" xmlns:mc="http://schemas.openxmlformats.org/markup-compatibility/2006" xmlns:mv="urn:schemas-microsoft-com:mac:vml" xmlns:p="http://schemas.openxmlformats.org/presentationml/2006/main" mc:Ignorable="mv" mc:PreserveAttributes="mv:*" type="twoObj" preserve="1">
+<p:sldLayout xmlns:a="http://schemas.openxmlformats.org/drawingml/2006/main" xmlns:r="http://schemas.openxmlformats.org/officeDocument/2006/relationships" xmlns:p="http://schemas.openxmlformats.org/presentationml/2006/main" type="twoObj" preserve="1">
   <p:cSld name="Two Content">
     <p:spTree>
       <p:nvGrpSpPr>
@@ -5465,7 +5465,7 @@
             <a:fld id="{A4AAEA4C-2FC0-8F41-AA8D-DA93A16F9072}" type="datetimeFigureOut">
               <a:rPr lang="en-US" smtClean="0"/>
               <a:pPr/>
-              <a:t>10/24/11</a:t>
+              <a:t>26/10/2011</a:t>
             </a:fld>
             <a:endParaRPr lang="en-US"/>
           </a:p>
@@ -5523,7 +5523,7 @@
 </file>
 
 <file path=ppt/slideLayouts/slideLayout5.xml><?xml version="1.0" encoding="utf-8"?>
-<p:sldLayout xmlns:a="http://schemas.openxmlformats.org/drawingml/2006/main" xmlns:r="http://schemas.openxmlformats.org/officeDocument/2006/relationships" xmlns:mc="http://schemas.openxmlformats.org/markup-compatibility/2006" xmlns:mv="urn:schemas-microsoft-com:mac:vml" xmlns:p="http://schemas.openxmlformats.org/presentationml/2006/main" mc:Ignorable="mv" mc:PreserveAttributes="mv:*" type="twoTxTwoObj" preserve="1">
+<p:sldLayout xmlns:a="http://schemas.openxmlformats.org/drawingml/2006/main" xmlns:r="http://schemas.openxmlformats.org/officeDocument/2006/relationships" xmlns:p="http://schemas.openxmlformats.org/presentationml/2006/main" type="twoTxTwoObj" preserve="1">
   <p:cSld name="Comparison">
     <p:spTree>
       <p:nvGrpSpPr>
@@ -5884,7 +5884,7 @@
             <a:fld id="{A4AAEA4C-2FC0-8F41-AA8D-DA93A16F9072}" type="datetimeFigureOut">
               <a:rPr lang="en-US" smtClean="0"/>
               <a:pPr/>
-              <a:t>10/24/11</a:t>
+              <a:t>26/10/2011</a:t>
             </a:fld>
             <a:endParaRPr lang="en-US"/>
           </a:p>
@@ -5942,7 +5942,7 @@
 </file>
 
 <file path=ppt/slideLayouts/slideLayout6.xml><?xml version="1.0" encoding="utf-8"?>
-<p:sldLayout xmlns:a="http://schemas.openxmlformats.org/drawingml/2006/main" xmlns:r="http://schemas.openxmlformats.org/officeDocument/2006/relationships" xmlns:mc="http://schemas.openxmlformats.org/markup-compatibility/2006" xmlns:mv="urn:schemas-microsoft-com:mac:vml" xmlns:p="http://schemas.openxmlformats.org/presentationml/2006/main" mc:Ignorable="mv" mc:PreserveAttributes="mv:*" type="titleOnly" preserve="1">
+<p:sldLayout xmlns:a="http://schemas.openxmlformats.org/drawingml/2006/main" xmlns:r="http://schemas.openxmlformats.org/officeDocument/2006/relationships" xmlns:p="http://schemas.openxmlformats.org/presentationml/2006/main" type="titleOnly" preserve="1">
   <p:cSld name="Title Only">
     <p:spTree>
       <p:nvGrpSpPr>
@@ -5999,7 +5999,7 @@
             <a:fld id="{A4AAEA4C-2FC0-8F41-AA8D-DA93A16F9072}" type="datetimeFigureOut">
               <a:rPr lang="en-US" smtClean="0"/>
               <a:pPr/>
-              <a:t>10/24/11</a:t>
+              <a:t>26/10/2011</a:t>
             </a:fld>
             <a:endParaRPr lang="en-US"/>
           </a:p>
@@ -6057,7 +6057,7 @@
 </file>
 
 <file path=ppt/slideLayouts/slideLayout7.xml><?xml version="1.0" encoding="utf-8"?>
-<p:sldLayout xmlns:a="http://schemas.openxmlformats.org/drawingml/2006/main" xmlns:r="http://schemas.openxmlformats.org/officeDocument/2006/relationships" xmlns:mc="http://schemas.openxmlformats.org/markup-compatibility/2006" xmlns:mv="urn:schemas-microsoft-com:mac:vml" xmlns:p="http://schemas.openxmlformats.org/presentationml/2006/main" mc:Ignorable="mv" mc:PreserveAttributes="mv:*" type="blank" preserve="1">
+<p:sldLayout xmlns:a="http://schemas.openxmlformats.org/drawingml/2006/main" xmlns:r="http://schemas.openxmlformats.org/officeDocument/2006/relationships" xmlns:p="http://schemas.openxmlformats.org/presentationml/2006/main" type="blank" preserve="1">
   <p:cSld name="Blank">
     <p:spTree>
       <p:nvGrpSpPr>
@@ -6091,7 +6091,7 @@
             <a:fld id="{A4AAEA4C-2FC0-8F41-AA8D-DA93A16F9072}" type="datetimeFigureOut">
               <a:rPr lang="en-US" smtClean="0"/>
               <a:pPr/>
-              <a:t>10/24/11</a:t>
+              <a:t>26/10/2011</a:t>
             </a:fld>
             <a:endParaRPr lang="en-US"/>
           </a:p>
@@ -6149,7 +6149,7 @@
 </file>
 
 <file path=ppt/slideLayouts/slideLayout8.xml><?xml version="1.0" encoding="utf-8"?>
-<p:sldLayout xmlns:a="http://schemas.openxmlformats.org/drawingml/2006/main" xmlns:r="http://schemas.openxmlformats.org/officeDocument/2006/relationships" xmlns:mc="http://schemas.openxmlformats.org/markup-compatibility/2006" xmlns:mv="urn:schemas-microsoft-com:mac:vml" xmlns:p="http://schemas.openxmlformats.org/presentationml/2006/main" mc:Ignorable="mv" mc:PreserveAttributes="mv:*" type="objTx" preserve="1">
+<p:sldLayout xmlns:a="http://schemas.openxmlformats.org/drawingml/2006/main" xmlns:r="http://schemas.openxmlformats.org/officeDocument/2006/relationships" xmlns:p="http://schemas.openxmlformats.org/presentationml/2006/main" type="objTx" preserve="1">
   <p:cSld name="Content with Caption">
     <p:spTree>
       <p:nvGrpSpPr>
@@ -6365,7 +6365,7 @@
             <a:fld id="{A4AAEA4C-2FC0-8F41-AA8D-DA93A16F9072}" type="datetimeFigureOut">
               <a:rPr lang="en-US" smtClean="0"/>
               <a:pPr/>
-              <a:t>10/24/11</a:t>
+              <a:t>26/10/2011</a:t>
             </a:fld>
             <a:endParaRPr lang="en-US"/>
           </a:p>
@@ -6423,7 +6423,7 @@
 </file>
 
 <file path=ppt/slideLayouts/slideLayout9.xml><?xml version="1.0" encoding="utf-8"?>
-<p:sldLayout xmlns:a="http://schemas.openxmlformats.org/drawingml/2006/main" xmlns:r="http://schemas.openxmlformats.org/officeDocument/2006/relationships" xmlns:mc="http://schemas.openxmlformats.org/markup-compatibility/2006" xmlns:mv="urn:schemas-microsoft-com:mac:vml" xmlns:p="http://schemas.openxmlformats.org/presentationml/2006/main" mc:Ignorable="mv" mc:PreserveAttributes="mv:*" type="picTx" preserve="1">
+<p:sldLayout xmlns:a="http://schemas.openxmlformats.org/drawingml/2006/main" xmlns:r="http://schemas.openxmlformats.org/officeDocument/2006/relationships" xmlns:p="http://schemas.openxmlformats.org/presentationml/2006/main" type="picTx" preserve="1">
   <p:cSld name="Picture with Caption">
     <p:spTree>
       <p:nvGrpSpPr>
@@ -6615,7 +6615,7 @@
             <a:fld id="{A4AAEA4C-2FC0-8F41-AA8D-DA93A16F9072}" type="datetimeFigureOut">
               <a:rPr lang="en-US" smtClean="0"/>
               <a:pPr/>
-              <a:t>10/24/11</a:t>
+              <a:t>26/10/2011</a:t>
             </a:fld>
             <a:endParaRPr lang="en-US"/>
           </a:p>
@@ -6673,7 +6673,7 @@
 </file>
 
 <file path=ppt/slideMasters/slideMaster1.xml><?xml version="1.0" encoding="utf-8"?>
-<p:sldMaster xmlns:a="http://schemas.openxmlformats.org/drawingml/2006/main" xmlns:r="http://schemas.openxmlformats.org/officeDocument/2006/relationships" xmlns:mc="http://schemas.openxmlformats.org/markup-compatibility/2006" xmlns:mv="urn:schemas-microsoft-com:mac:vml" xmlns:p="http://schemas.openxmlformats.org/presentationml/2006/main" mc:Ignorable="mv" mc:PreserveAttributes="mv:*">
+<p:sldMaster xmlns:a="http://schemas.openxmlformats.org/drawingml/2006/main" xmlns:r="http://schemas.openxmlformats.org/officeDocument/2006/relationships" xmlns:p="http://schemas.openxmlformats.org/presentationml/2006/main">
   <p:cSld>
     <p:bg>
       <p:bgRef idx="1001">
@@ -6885,7 +6885,7 @@
             <a:fld id="{A4AAEA4C-2FC0-8F41-AA8D-DA93A16F9072}" type="datetimeFigureOut">
               <a:rPr lang="en-US" smtClean="0"/>
               <a:pPr/>
-              <a:t>10/24/11</a:t>
+              <a:t>26/10/2011</a:t>
             </a:fld>
             <a:endParaRPr lang="en-US"/>
           </a:p>
@@ -7240,7 +7240,7 @@
 </file>
 
 <file path=ppt/slides/slide1.xml><?xml version="1.0" encoding="utf-8"?>
-<p:sld xmlns:a="http://schemas.openxmlformats.org/drawingml/2006/main" xmlns:r="http://schemas.openxmlformats.org/officeDocument/2006/relationships" xmlns:mc="http://schemas.openxmlformats.org/markup-compatibility/2006" xmlns:mv="urn:schemas-microsoft-com:mac:vml" xmlns:p="http://schemas.openxmlformats.org/presentationml/2006/main" mc:Ignorable="mv" mc:PreserveAttributes="mv:*">
+<p:sld xmlns:a="http://schemas.openxmlformats.org/drawingml/2006/main" xmlns:r="http://schemas.openxmlformats.org/officeDocument/2006/relationships" xmlns:p="http://schemas.openxmlformats.org/presentationml/2006/main">
   <p:cSld>
     <p:spTree>
       <p:nvGrpSpPr>
@@ -7406,7 +7406,7 @@
   <p:timing>
     <p:tnLst>
       <p:par>
-        <p:cTn id="1" dur="indefinite" restart="never" nodeType="tmRoot"/>
+        <p:cTn xmlns:p14="http://schemas.microsoft.com/office/powerpoint/2010/main" id="1" dur="indefinite" restart="never" nodeType="tmRoot"/>
       </p:par>
     </p:tnLst>
   </p:timing>
@@ -7414,7 +7414,7 @@
 </file>
 
 <file path=ppt/slides/slide10.xml><?xml version="1.0" encoding="utf-8"?>
-<p:sld xmlns:a="http://schemas.openxmlformats.org/drawingml/2006/main" xmlns:r="http://schemas.openxmlformats.org/officeDocument/2006/relationships" xmlns:mc="http://schemas.openxmlformats.org/markup-compatibility/2006" xmlns:mv="urn:schemas-microsoft-com:mac:vml" xmlns:p="http://schemas.openxmlformats.org/presentationml/2006/main" mc:Ignorable="mv" mc:PreserveAttributes="mv:*">
+<p:sld xmlns:a="http://schemas.openxmlformats.org/drawingml/2006/main" xmlns:r="http://schemas.openxmlformats.org/officeDocument/2006/relationships" xmlns:p="http://schemas.openxmlformats.org/presentationml/2006/main">
   <p:cSld>
     <p:spTree>
       <p:nvGrpSpPr>
@@ -7512,11 +7512,18 @@
   <p:clrMapOvr>
     <a:masterClrMapping/>
   </p:clrMapOvr>
+  <p:timing>
+    <p:tnLst>
+      <p:par>
+        <p:cTn xmlns:p14="http://schemas.microsoft.com/office/powerpoint/2010/main" id="1" dur="indefinite" restart="never" nodeType="tmRoot"/>
+      </p:par>
+    </p:tnLst>
+  </p:timing>
 </p:sld>
 </file>
 
 <file path=ppt/slides/slide11.xml><?xml version="1.0" encoding="utf-8"?>
-<p:sld xmlns:a="http://schemas.openxmlformats.org/drawingml/2006/main" xmlns:r="http://schemas.openxmlformats.org/officeDocument/2006/relationships" xmlns:mc="http://schemas.openxmlformats.org/markup-compatibility/2006" xmlns:mv="urn:schemas-microsoft-com:mac:vml" xmlns:p="http://schemas.openxmlformats.org/presentationml/2006/main" mc:Ignorable="mv" mc:PreserveAttributes="mv:*">
+<p:sld xmlns:a="http://schemas.openxmlformats.org/drawingml/2006/main" xmlns:r="http://schemas.openxmlformats.org/officeDocument/2006/relationships" xmlns:p="http://schemas.openxmlformats.org/presentationml/2006/main">
   <p:cSld>
     <p:spTree>
       <p:nvGrpSpPr>
@@ -7563,16 +7570,15 @@
           </p:cNvPicPr>
           <p:nvPr/>
         </p:nvPicPr>
-        <p:blipFill>
+        <p:blipFill rotWithShape="1">
           <a:blip r:embed="rId2"/>
-          <a:stretch>
-            <a:fillRect/>
-          </a:stretch>
+          <a:srcRect r="33441"/>
+          <a:stretch/>
         </p:blipFill>
         <p:spPr>
           <a:xfrm>
             <a:off x="5100583" y="1750192"/>
-            <a:ext cx="4043417" cy="1561066"/>
+            <a:ext cx="2691261" cy="1561066"/>
           </a:xfrm>
           <a:prstGeom prst="rect">
             <a:avLst/>
@@ -7666,16 +7672,15 @@
           </p:cNvPicPr>
           <p:nvPr/>
         </p:nvPicPr>
-        <p:blipFill>
+        <p:blipFill rotWithShape="1">
           <a:blip r:embed="rId3"/>
-          <a:stretch>
-            <a:fillRect/>
-          </a:stretch>
+          <a:srcRect r="33181"/>
+          <a:stretch/>
         </p:blipFill>
         <p:spPr>
           <a:xfrm>
             <a:off x="5238351" y="4011449"/>
-            <a:ext cx="3629314" cy="1520706"/>
+            <a:ext cx="2425056" cy="1520706"/>
           </a:xfrm>
           <a:prstGeom prst="rect">
             <a:avLst/>
@@ -7687,11 +7692,18 @@
   <p:clrMapOvr>
     <a:masterClrMapping/>
   </p:clrMapOvr>
+  <p:timing>
+    <p:tnLst>
+      <p:par>
+        <p:cTn xmlns:p14="http://schemas.microsoft.com/office/powerpoint/2010/main" id="1" dur="indefinite" restart="never" nodeType="tmRoot"/>
+      </p:par>
+    </p:tnLst>
+  </p:timing>
 </p:sld>
 </file>
 
 <file path=ppt/slides/slide12.xml><?xml version="1.0" encoding="utf-8"?>
-<p:sld xmlns:a="http://schemas.openxmlformats.org/drawingml/2006/main" xmlns:r="http://schemas.openxmlformats.org/officeDocument/2006/relationships" xmlns:mc="http://schemas.openxmlformats.org/markup-compatibility/2006" xmlns:mv="urn:schemas-microsoft-com:mac:vml" xmlns:p="http://schemas.openxmlformats.org/presentationml/2006/main" mc:Ignorable="mv" mc:PreserveAttributes="mv:*">
+<p:sld xmlns:a="http://schemas.openxmlformats.org/drawingml/2006/main" xmlns:r="http://schemas.openxmlformats.org/officeDocument/2006/relationships" xmlns:p="http://schemas.openxmlformats.org/presentationml/2006/main">
   <p:cSld>
     <p:spTree>
       <p:nvGrpSpPr>
@@ -7798,11 +7810,18 @@
   <p:clrMapOvr>
     <a:masterClrMapping/>
   </p:clrMapOvr>
+  <p:timing>
+    <p:tnLst>
+      <p:par>
+        <p:cTn xmlns:p14="http://schemas.microsoft.com/office/powerpoint/2010/main" id="1" dur="indefinite" restart="never" nodeType="tmRoot"/>
+      </p:par>
+    </p:tnLst>
+  </p:timing>
 </p:sld>
 </file>
 
 <file path=ppt/slides/slide13.xml><?xml version="1.0" encoding="utf-8"?>
-<p:sld xmlns:a="http://schemas.openxmlformats.org/drawingml/2006/main" xmlns:r="http://schemas.openxmlformats.org/officeDocument/2006/relationships" xmlns:mc="http://schemas.openxmlformats.org/markup-compatibility/2006" xmlns:mv="urn:schemas-microsoft-com:mac:vml" xmlns:p="http://schemas.openxmlformats.org/presentationml/2006/main" mc:Ignorable="mv" mc:PreserveAttributes="mv:*">
+<p:sld xmlns:a="http://schemas.openxmlformats.org/drawingml/2006/main" xmlns:r="http://schemas.openxmlformats.org/officeDocument/2006/relationships" xmlns:p="http://schemas.openxmlformats.org/presentationml/2006/main">
   <p:cSld>
     <p:spTree>
       <p:nvGrpSpPr>
@@ -7894,11 +7913,18 @@
   <p:clrMapOvr>
     <a:masterClrMapping/>
   </p:clrMapOvr>
+  <p:timing>
+    <p:tnLst>
+      <p:par>
+        <p:cTn xmlns:p14="http://schemas.microsoft.com/office/powerpoint/2010/main" id="1" dur="indefinite" restart="never" nodeType="tmRoot"/>
+      </p:par>
+    </p:tnLst>
+  </p:timing>
 </p:sld>
 </file>
 
 <file path=ppt/slides/slide14.xml><?xml version="1.0" encoding="utf-8"?>
-<p:sld xmlns:a="http://schemas.openxmlformats.org/drawingml/2006/main" xmlns:r="http://schemas.openxmlformats.org/officeDocument/2006/relationships" xmlns:mc="http://schemas.openxmlformats.org/markup-compatibility/2006" xmlns:mv="urn:schemas-microsoft-com:mac:vml" xmlns:p="http://schemas.openxmlformats.org/presentationml/2006/main" mc:Ignorable="mv" mc:PreserveAttributes="mv:*">
+<p:sld xmlns:a="http://schemas.openxmlformats.org/drawingml/2006/main" xmlns:r="http://schemas.openxmlformats.org/officeDocument/2006/relationships" xmlns:p="http://schemas.openxmlformats.org/presentationml/2006/main">
   <p:cSld>
     <p:spTree>
       <p:nvGrpSpPr>
@@ -8026,11 +8052,18 @@
   <p:clrMapOvr>
     <a:masterClrMapping/>
   </p:clrMapOvr>
+  <p:timing>
+    <p:tnLst>
+      <p:par>
+        <p:cTn xmlns:p14="http://schemas.microsoft.com/office/powerpoint/2010/main" id="1" dur="indefinite" restart="never" nodeType="tmRoot"/>
+      </p:par>
+    </p:tnLst>
+  </p:timing>
 </p:sld>
 </file>
 
 <file path=ppt/slides/slide15.xml><?xml version="1.0" encoding="utf-8"?>
-<p:sld xmlns:a="http://schemas.openxmlformats.org/drawingml/2006/main" xmlns:r="http://schemas.openxmlformats.org/officeDocument/2006/relationships" xmlns:mc="http://schemas.openxmlformats.org/markup-compatibility/2006" xmlns:mv="urn:schemas-microsoft-com:mac:vml" xmlns:p="http://schemas.openxmlformats.org/presentationml/2006/main" mc:Ignorable="mv" mc:PreserveAttributes="mv:*">
+<p:sld xmlns:a="http://schemas.openxmlformats.org/drawingml/2006/main" xmlns:r="http://schemas.openxmlformats.org/officeDocument/2006/relationships" xmlns:p="http://schemas.openxmlformats.org/presentationml/2006/main">
   <p:cSld>
     <p:spTree>
       <p:nvGrpSpPr>
@@ -8136,11 +8169,18 @@
   <p:clrMapOvr>
     <a:masterClrMapping/>
   </p:clrMapOvr>
+  <p:timing>
+    <p:tnLst>
+      <p:par>
+        <p:cTn xmlns:p14="http://schemas.microsoft.com/office/powerpoint/2010/main" id="1" dur="indefinite" restart="never" nodeType="tmRoot"/>
+      </p:par>
+    </p:tnLst>
+  </p:timing>
 </p:sld>
 </file>
 
 <file path=ppt/slides/slide16.xml><?xml version="1.0" encoding="utf-8"?>
-<p:sld xmlns:a="http://schemas.openxmlformats.org/drawingml/2006/main" xmlns:r="http://schemas.openxmlformats.org/officeDocument/2006/relationships" xmlns:mc="http://schemas.openxmlformats.org/markup-compatibility/2006" xmlns:mv="urn:schemas-microsoft-com:mac:vml" xmlns:p="http://schemas.openxmlformats.org/presentationml/2006/main" mc:Ignorable="mv" mc:PreserveAttributes="mv:*">
+<p:sld xmlns:a="http://schemas.openxmlformats.org/drawingml/2006/main" xmlns:r="http://schemas.openxmlformats.org/officeDocument/2006/relationships" xmlns:p="http://schemas.openxmlformats.org/presentationml/2006/main">
   <p:cSld>
     <p:spTree>
       <p:nvGrpSpPr>
@@ -8290,8 +8330,12 @@
                 <a:latin typeface="Courier New"/>
                 <a:cs typeface="Courier New"/>
               </a:rPr>
-              <a:t>AGAAAGTCAGCGGCAAATTTGGTTTTAGACGAAATTGTCCCTTTGACATAACGACTAAAGG</a:t>
-            </a:r>
+              <a:t>AGAAAGTCAGCGGCAAATTTGGTTTTAGACGAA-TTGTCCCTTTGACATAACGACTAAAGG</a:t>
+            </a:r>
+            <a:endParaRPr lang="en-US" b="1" dirty="0" smtClean="0">
+              <a:latin typeface="Courier New"/>
+              <a:cs typeface="Courier New"/>
+            </a:endParaRPr>
           </a:p>
           <a:p>
             <a:r>
@@ -8862,7 +8906,7 @@
   <p:timing>
     <p:tnLst>
       <p:par>
-        <p:cTn id="1" dur="indefinite" restart="never" nodeType="tmRoot"/>
+        <p:cTn xmlns:p14="http://schemas.microsoft.com/office/powerpoint/2010/main" id="1" dur="indefinite" restart="never" nodeType="tmRoot"/>
       </p:par>
     </p:tnLst>
   </p:timing>
@@ -8870,7 +8914,7 @@
 </file>
 
 <file path=ppt/slides/slide2.xml><?xml version="1.0" encoding="utf-8"?>
-<p:sld xmlns:a="http://schemas.openxmlformats.org/drawingml/2006/main" xmlns:r="http://schemas.openxmlformats.org/officeDocument/2006/relationships" xmlns:mc="http://schemas.openxmlformats.org/markup-compatibility/2006" xmlns:mv="urn:schemas-microsoft-com:mac:vml" xmlns:p="http://schemas.openxmlformats.org/presentationml/2006/main" mc:Ignorable="mv" mc:PreserveAttributes="mv:*">
+<p:sld xmlns:a="http://schemas.openxmlformats.org/drawingml/2006/main" xmlns:r="http://schemas.openxmlformats.org/officeDocument/2006/relationships" xmlns:p="http://schemas.openxmlformats.org/presentationml/2006/main">
   <p:cSld>
     <p:spTree>
       <p:nvGrpSpPr>
@@ -9017,11 +9061,18 @@
   <p:clrMapOvr>
     <a:masterClrMapping/>
   </p:clrMapOvr>
+  <p:timing>
+    <p:tnLst>
+      <p:par>
+        <p:cTn xmlns:p14="http://schemas.microsoft.com/office/powerpoint/2010/main" id="1" dur="indefinite" restart="never" nodeType="tmRoot"/>
+      </p:par>
+    </p:tnLst>
+  </p:timing>
 </p:sld>
 </file>
 
 <file path=ppt/slides/slide3.xml><?xml version="1.0" encoding="utf-8"?>
-<p:sld xmlns:a="http://schemas.openxmlformats.org/drawingml/2006/main" xmlns:r="http://schemas.openxmlformats.org/officeDocument/2006/relationships" xmlns:mc="http://schemas.openxmlformats.org/markup-compatibility/2006" xmlns:mv="urn:schemas-microsoft-com:mac:vml" xmlns:p="http://schemas.openxmlformats.org/presentationml/2006/main" mc:Ignorable="mv" mc:PreserveAttributes="mv:*">
+<p:sld xmlns:a="http://schemas.openxmlformats.org/drawingml/2006/main" xmlns:r="http://schemas.openxmlformats.org/officeDocument/2006/relationships" xmlns:p="http://schemas.openxmlformats.org/presentationml/2006/main">
   <p:cSld>
     <p:spTree>
       <p:nvGrpSpPr>
@@ -9151,7 +9202,7 @@
         </p:xfrm>
         <a:graphic>
           <a:graphicData uri="http://schemas.openxmlformats.org/drawingml/2006/diagram">
-            <a:relIds xmlns:dgm="http://schemas.openxmlformats.org/drawingml/2006/diagram" xmlns:r="http://schemas.openxmlformats.org/officeDocument/2006/relationships" r:dm="rId5" r:lo="rId6" r:qs="rId7" r:cs="rId8"/>
+            <dgm:relIds xmlns:dgm="http://schemas.openxmlformats.org/drawingml/2006/diagram" xmlns:r="http://schemas.openxmlformats.org/officeDocument/2006/relationships" r:dm="rId5" r:lo="rId6" r:qs="rId7" r:cs="rId8"/>
           </a:graphicData>
         </a:graphic>
       </p:graphicFrame>
@@ -9163,7 +9214,7 @@
   <p:timing>
     <p:tnLst>
       <p:par>
-        <p:cTn id="1" dur="indefinite" restart="never" nodeType="tmRoot"/>
+        <p:cTn xmlns:p14="http://schemas.microsoft.com/office/powerpoint/2010/main" id="1" dur="indefinite" restart="never" nodeType="tmRoot"/>
       </p:par>
     </p:tnLst>
   </p:timing>
@@ -9171,7 +9222,7 @@
 </file>
 
 <file path=ppt/slides/slide4.xml><?xml version="1.0" encoding="utf-8"?>
-<p:sld xmlns:a="http://schemas.openxmlformats.org/drawingml/2006/main" xmlns:r="http://schemas.openxmlformats.org/officeDocument/2006/relationships" xmlns:mc="http://schemas.openxmlformats.org/markup-compatibility/2006" xmlns:mv="urn:schemas-microsoft-com:mac:vml" xmlns:p="http://schemas.openxmlformats.org/presentationml/2006/main" mc:Ignorable="mv" mc:PreserveAttributes="mv:*">
+<p:sld xmlns:a="http://schemas.openxmlformats.org/drawingml/2006/main" xmlns:r="http://schemas.openxmlformats.org/officeDocument/2006/relationships" xmlns:p="http://schemas.openxmlformats.org/presentationml/2006/main">
   <p:cSld>
     <p:spTree>
       <p:nvGrpSpPr>
@@ -9322,11 +9373,18 @@
   <p:clrMapOvr>
     <a:masterClrMapping/>
   </p:clrMapOvr>
+  <p:timing>
+    <p:tnLst>
+      <p:par>
+        <p:cTn xmlns:p14="http://schemas.microsoft.com/office/powerpoint/2010/main" id="1" dur="indefinite" restart="never" nodeType="tmRoot"/>
+      </p:par>
+    </p:tnLst>
+  </p:timing>
 </p:sld>
 </file>
 
 <file path=ppt/slides/slide5.xml><?xml version="1.0" encoding="utf-8"?>
-<p:sld xmlns:a="http://schemas.openxmlformats.org/drawingml/2006/main" xmlns:r="http://schemas.openxmlformats.org/officeDocument/2006/relationships" xmlns:mc="http://schemas.openxmlformats.org/markup-compatibility/2006" xmlns:mv="urn:schemas-microsoft-com:mac:vml" xmlns:p="http://schemas.openxmlformats.org/presentationml/2006/main" mc:Ignorable="mv" mc:PreserveAttributes="mv:*">
+<p:sld xmlns:a="http://schemas.openxmlformats.org/drawingml/2006/main" xmlns:r="http://schemas.openxmlformats.org/officeDocument/2006/relationships" xmlns:p="http://schemas.openxmlformats.org/presentationml/2006/main">
   <p:cSld>
     <p:spTree>
       <p:nvGrpSpPr>
@@ -9512,7 +9570,7 @@
   <p:timing>
     <p:tnLst>
       <p:par>
-        <p:cTn id="1" dur="indefinite" restart="never" nodeType="tmRoot"/>
+        <p:cTn xmlns:p14="http://schemas.microsoft.com/office/powerpoint/2010/main" id="1" dur="indefinite" restart="never" nodeType="tmRoot"/>
       </p:par>
     </p:tnLst>
   </p:timing>
@@ -9520,7 +9578,7 @@
 </file>
 
 <file path=ppt/slides/slide6.xml><?xml version="1.0" encoding="utf-8"?>
-<p:sld xmlns:a="http://schemas.openxmlformats.org/drawingml/2006/main" xmlns:r="http://schemas.openxmlformats.org/officeDocument/2006/relationships" xmlns:mc="http://schemas.openxmlformats.org/markup-compatibility/2006" xmlns:mv="urn:schemas-microsoft-com:mac:vml" xmlns:p="http://schemas.openxmlformats.org/presentationml/2006/main" mc:Ignorable="mv" mc:PreserveAttributes="mv:*">
+<p:sld xmlns:a="http://schemas.openxmlformats.org/drawingml/2006/main" xmlns:r="http://schemas.openxmlformats.org/officeDocument/2006/relationships" xmlns:p="http://schemas.openxmlformats.org/presentationml/2006/main">
   <p:cSld>
     <p:spTree>
       <p:nvGrpSpPr>
@@ -9613,7 +9671,7 @@
   <p:timing>
     <p:tnLst>
       <p:par>
-        <p:cTn id="1" dur="indefinite" restart="never" nodeType="tmRoot"/>
+        <p:cTn xmlns:p14="http://schemas.microsoft.com/office/powerpoint/2010/main" id="1" dur="indefinite" restart="never" nodeType="tmRoot"/>
       </p:par>
     </p:tnLst>
   </p:timing>
@@ -9621,7 +9679,7 @@
 </file>
 
 <file path=ppt/slides/slide7.xml><?xml version="1.0" encoding="utf-8"?>
-<p:sld xmlns:a="http://schemas.openxmlformats.org/drawingml/2006/main" xmlns:r="http://schemas.openxmlformats.org/officeDocument/2006/relationships" xmlns:mc="http://schemas.openxmlformats.org/markup-compatibility/2006" xmlns:mv="urn:schemas-microsoft-com:mac:vml" xmlns:p="http://schemas.openxmlformats.org/presentationml/2006/main" mc:Ignorable="mv" mc:PreserveAttributes="mv:*">
+<p:sld xmlns:a="http://schemas.openxmlformats.org/drawingml/2006/main" xmlns:r="http://schemas.openxmlformats.org/officeDocument/2006/relationships" xmlns:p="http://schemas.openxmlformats.org/presentationml/2006/main">
   <p:cSld>
     <p:spTree>
       <p:nvGrpSpPr>
@@ -9735,7 +9793,7 @@
   <p:timing>
     <p:tnLst>
       <p:par>
-        <p:cTn id="1" dur="indefinite" restart="never" nodeType="tmRoot"/>
+        <p:cTn xmlns:p14="http://schemas.microsoft.com/office/powerpoint/2010/main" id="1" dur="indefinite" restart="never" nodeType="tmRoot"/>
       </p:par>
     </p:tnLst>
   </p:timing>
@@ -9743,7 +9801,7 @@
 </file>
 
 <file path=ppt/slides/slide8.xml><?xml version="1.0" encoding="utf-8"?>
-<p:sld xmlns:a="http://schemas.openxmlformats.org/drawingml/2006/main" xmlns:r="http://schemas.openxmlformats.org/officeDocument/2006/relationships" xmlns:mc="http://schemas.openxmlformats.org/markup-compatibility/2006" xmlns:mv="urn:schemas-microsoft-com:mac:vml" xmlns:p="http://schemas.openxmlformats.org/presentationml/2006/main" mc:Ignorable="mv" mc:PreserveAttributes="mv:*">
+<p:sld xmlns:a="http://schemas.openxmlformats.org/drawingml/2006/main" xmlns:r="http://schemas.openxmlformats.org/officeDocument/2006/relationships" xmlns:p="http://schemas.openxmlformats.org/presentationml/2006/main">
   <p:cSld>
     <p:spTree>
       <p:nvGrpSpPr>
@@ -9839,7 +9897,7 @@
   <p:timing>
     <p:tnLst>
       <p:par>
-        <p:cTn id="1" dur="indefinite" restart="never" nodeType="tmRoot"/>
+        <p:cTn xmlns:p14="http://schemas.microsoft.com/office/powerpoint/2010/main" id="1" dur="indefinite" restart="never" nodeType="tmRoot"/>
       </p:par>
     </p:tnLst>
   </p:timing>
@@ -9847,7 +9905,7 @@
 </file>
 
 <file path=ppt/slides/slide9.xml><?xml version="1.0" encoding="utf-8"?>
-<p:sld xmlns:a="http://schemas.openxmlformats.org/drawingml/2006/main" xmlns:r="http://schemas.openxmlformats.org/officeDocument/2006/relationships" xmlns:mc="http://schemas.openxmlformats.org/markup-compatibility/2006" xmlns:mv="urn:schemas-microsoft-com:mac:vml" xmlns:p="http://schemas.openxmlformats.org/presentationml/2006/main" mc:Ignorable="mv" mc:PreserveAttributes="mv:*">
+<p:sld xmlns:a="http://schemas.openxmlformats.org/drawingml/2006/main" xmlns:r="http://schemas.openxmlformats.org/officeDocument/2006/relationships" xmlns:p="http://schemas.openxmlformats.org/presentationml/2006/main">
   <p:cSld>
     <p:spTree>
       <p:nvGrpSpPr>
@@ -9942,6 +10000,13 @@
   <p:clrMapOvr>
     <a:masterClrMapping/>
   </p:clrMapOvr>
+  <p:timing>
+    <p:tnLst>
+      <p:par>
+        <p:cTn xmlns:p14="http://schemas.microsoft.com/office/powerpoint/2010/main" id="1" dur="indefinite" restart="never" nodeType="tmRoot"/>
+      </p:par>
+    </p:tnLst>
+  </p:timing>
 </p:sld>
 </file>
 
